--- a/Slides/Geog4300 Fa17 Lecture 13-2 Correlation.pptx
+++ b/Slides/Geog4300 Fa17 Lecture 13-2 Correlation.pptx
@@ -5,7 +5,7 @@
     <p:sldMasterId id="2147483659" r:id="rId1"/>
   </p:sldMasterIdLst>
   <p:notesMasterIdLst>
-    <p:notesMasterId r:id="rId31"/>
+    <p:notesMasterId r:id="rId32"/>
   </p:notesMasterIdLst>
   <p:sldIdLst>
     <p:sldId id="256" r:id="rId2"/>
@@ -31,33 +31,34 @@
     <p:sldId id="276" r:id="rId22"/>
     <p:sldId id="277" r:id="rId23"/>
     <p:sldId id="278" r:id="rId24"/>
-    <p:sldId id="279" r:id="rId25"/>
-    <p:sldId id="280" r:id="rId26"/>
-    <p:sldId id="282" r:id="rId27"/>
-    <p:sldId id="283" r:id="rId28"/>
-    <p:sldId id="284" r:id="rId29"/>
-    <p:sldId id="285" r:id="rId30"/>
+    <p:sldId id="287" r:id="rId25"/>
+    <p:sldId id="279" r:id="rId26"/>
+    <p:sldId id="280" r:id="rId27"/>
+    <p:sldId id="282" r:id="rId28"/>
+    <p:sldId id="283" r:id="rId29"/>
+    <p:sldId id="284" r:id="rId30"/>
+    <p:sldId id="285" r:id="rId31"/>
   </p:sldIdLst>
   <p:sldSz cx="9144000" cy="6858000" type="screen4x3"/>
   <p:notesSz cx="6858000" cy="9144000"/>
   <p:embeddedFontLst>
     <p:embeddedFont>
       <p:font typeface="Gill Sans MT" panose="020B0502020104020203" pitchFamily="34" charset="0"/>
-      <p:regular r:id="rId32"/>
-      <p:bold r:id="rId33"/>
-      <p:italic r:id="rId34"/>
-      <p:boldItalic r:id="rId35"/>
+      <p:regular r:id="rId33"/>
+      <p:bold r:id="rId34"/>
+      <p:italic r:id="rId35"/>
+      <p:boldItalic r:id="rId36"/>
     </p:embeddedFont>
     <p:embeddedFont>
       <p:font typeface="Cambria Math" panose="02040503050406030204" pitchFamily="18" charset="0"/>
-      <p:regular r:id="rId36"/>
+      <p:regular r:id="rId37"/>
     </p:embeddedFont>
     <p:embeddedFont>
       <p:font typeface="Calibri" panose="020F0502020204030204" pitchFamily="34" charset="0"/>
-      <p:regular r:id="rId37"/>
-      <p:bold r:id="rId38"/>
-      <p:italic r:id="rId39"/>
-      <p:boldItalic r:id="rId40"/>
+      <p:regular r:id="rId38"/>
+      <p:bold r:id="rId39"/>
+      <p:italic r:id="rId40"/>
+      <p:boldItalic r:id="rId41"/>
     </p:embeddedFont>
   </p:embeddedFontLst>
   <p:defaultTextStyle>
@@ -4121,6 +4122,195 @@
   <p:cSld>
     <p:spTree>
       <p:nvGrpSpPr>
+        <p:cNvPr id="1" name="Shape 381"/>
+        <p:cNvGrpSpPr/>
+        <p:nvPr/>
+      </p:nvGrpSpPr>
+      <p:grpSpPr>
+        <a:xfrm>
+          <a:off x="0" y="0"/>
+          <a:ext cx="0" cy="0"/>
+          <a:chOff x="0" y="0"/>
+          <a:chExt cx="0" cy="0"/>
+        </a:xfrm>
+      </p:grpSpPr>
+      <p:sp>
+        <p:nvSpPr>
+          <p:cNvPr id="382" name="Shape 382"/>
+          <p:cNvSpPr>
+            <a:spLocks noGrp="1" noRot="1" noChangeAspect="1"/>
+          </p:cNvSpPr>
+          <p:nvPr>
+            <p:ph type="sldImg" idx="2"/>
+          </p:nvPr>
+        </p:nvSpPr>
+        <p:spPr>
+          <a:xfrm>
+            <a:off x="1143000" y="685800"/>
+            <a:ext cx="4572000" cy="3429000"/>
+          </a:xfrm>
+          <a:custGeom>
+            <a:avLst/>
+            <a:gdLst/>
+            <a:ahLst/>
+            <a:cxnLst/>
+            <a:rect l="0" t="0" r="0" b="0"/>
+            <a:pathLst>
+              <a:path w="120000" h="120000" extrusionOk="0">
+                <a:moveTo>
+                  <a:pt x="0" y="0"/>
+                </a:moveTo>
+                <a:lnTo>
+                  <a:pt x="120000" y="0"/>
+                </a:lnTo>
+                <a:lnTo>
+                  <a:pt x="120000" y="120000"/>
+                </a:lnTo>
+                <a:lnTo>
+                  <a:pt x="0" y="120000"/>
+                </a:lnTo>
+                <a:close/>
+              </a:path>
+            </a:pathLst>
+          </a:custGeom>
+          <a:noFill/>
+          <a:ln w="12700" cap="flat" cmpd="sng">
+            <a:solidFill>
+              <a:srgbClr val="000000"/>
+            </a:solidFill>
+            <a:prstDash val="solid"/>
+            <a:round/>
+            <a:headEnd type="none" w="med" len="med"/>
+            <a:tailEnd type="none" w="med" len="med"/>
+          </a:ln>
+        </p:spPr>
+      </p:sp>
+      <p:sp>
+        <p:nvSpPr>
+          <p:cNvPr id="383" name="Shape 383"/>
+          <p:cNvSpPr txBox="1">
+            <a:spLocks noGrp="1"/>
+          </p:cNvSpPr>
+          <p:nvPr>
+            <p:ph type="body" idx="1"/>
+          </p:nvPr>
+        </p:nvSpPr>
+        <p:spPr>
+          <a:xfrm>
+            <a:off x="685800" y="4343400"/>
+            <a:ext cx="5486399" cy="4114800"/>
+          </a:xfrm>
+          <a:prstGeom prst="rect">
+            <a:avLst/>
+          </a:prstGeom>
+          <a:noFill/>
+          <a:ln>
+            <a:noFill/>
+          </a:ln>
+        </p:spPr>
+        <p:txBody>
+          <a:bodyPr lIns="91425" tIns="45700" rIns="91425" bIns="45700" anchor="t" anchorCtr="0">
+            <a:noAutofit/>
+          </a:bodyPr>
+          <a:lstStyle/>
+          <a:p>
+            <a:pPr marL="0" marR="0" lvl="0" indent="0" algn="l" rtl="0">
+              <a:spcBef>
+                <a:spcPts val="0"/>
+              </a:spcBef>
+              <a:buSzPct val="25000"/>
+              <a:buNone/>
+            </a:pPr>
+            <a:endParaRPr sz="1200" b="0" i="0" u="none" strike="noStrike" cap="none">
+              <a:solidFill>
+                <a:schemeClr val="dk1"/>
+              </a:solidFill>
+              <a:latin typeface="Calibri"/>
+              <a:ea typeface="Calibri"/>
+              <a:cs typeface="Calibri"/>
+              <a:sym typeface="Calibri"/>
+            </a:endParaRPr>
+          </a:p>
+        </p:txBody>
+      </p:sp>
+      <p:sp>
+        <p:nvSpPr>
+          <p:cNvPr id="384" name="Shape 384"/>
+          <p:cNvSpPr txBox="1">
+            <a:spLocks noGrp="1"/>
+          </p:cNvSpPr>
+          <p:nvPr>
+            <p:ph type="sldNum" idx="12"/>
+          </p:nvPr>
+        </p:nvSpPr>
+        <p:spPr>
+          <a:xfrm>
+            <a:off x="3884612" y="8685213"/>
+            <a:ext cx="2971799" cy="457200"/>
+          </a:xfrm>
+          <a:prstGeom prst="rect">
+            <a:avLst/>
+          </a:prstGeom>
+          <a:noFill/>
+          <a:ln>
+            <a:noFill/>
+          </a:ln>
+        </p:spPr>
+        <p:txBody>
+          <a:bodyPr lIns="91425" tIns="45700" rIns="91425" bIns="45700" anchor="b" anchorCtr="0">
+            <a:noAutofit/>
+          </a:bodyPr>
+          <a:lstStyle/>
+          <a:p>
+            <a:pPr marL="0" marR="0" lvl="0" indent="0" algn="r" rtl="0">
+              <a:spcBef>
+                <a:spcPts val="0"/>
+              </a:spcBef>
+              <a:buSzPct val="25000"/>
+              <a:buNone/>
+            </a:pPr>
+            <a:fld id="{00000000-1234-1234-1234-123412341234}" type="slidenum">
+              <a:rPr lang="en-US" sz="1200">
+                <a:solidFill>
+                  <a:schemeClr val="dk1"/>
+                </a:solidFill>
+                <a:latin typeface="Calibri"/>
+                <a:ea typeface="Calibri"/>
+                <a:cs typeface="Calibri"/>
+                <a:sym typeface="Calibri"/>
+              </a:rPr>
+              <a:t>24</a:t>
+            </a:fld>
+            <a:endParaRPr lang="en-US" sz="1200">
+              <a:solidFill>
+                <a:schemeClr val="dk1"/>
+              </a:solidFill>
+              <a:latin typeface="Calibri"/>
+              <a:ea typeface="Calibri"/>
+              <a:cs typeface="Calibri"/>
+              <a:sym typeface="Calibri"/>
+            </a:endParaRPr>
+          </a:p>
+        </p:txBody>
+      </p:sp>
+    </p:spTree>
+    <p:extLst>
+      <p:ext uri="{BB962C8B-B14F-4D97-AF65-F5344CB8AC3E}">
+        <p14:creationId xmlns:p14="http://schemas.microsoft.com/office/powerpoint/2010/main" val="1504817650"/>
+      </p:ext>
+    </p:extLst>
+  </p:cSld>
+  <p:clrMapOvr>
+    <a:masterClrMapping/>
+  </p:clrMapOvr>
+</p:notes>
+</file>
+
+<file path=ppt/notesSlides/notesSlide25.xml><?xml version="1.0" encoding="utf-8"?>
+<p:notes xmlns:a="http://schemas.openxmlformats.org/drawingml/2006/main" xmlns:r="http://schemas.openxmlformats.org/officeDocument/2006/relationships" xmlns:p="http://schemas.openxmlformats.org/presentationml/2006/main" showMasterSp="0" showMasterPhAnim="0">
+  <p:cSld>
+    <p:spTree>
+      <p:nvGrpSpPr>
         <p:cNvPr id="1" name="Shape 391"/>
         <p:cNvGrpSpPr/>
         <p:nvPr/>
@@ -4278,7 +4468,7 @@
                 <a:cs typeface="Calibri"/>
                 <a:sym typeface="Calibri"/>
               </a:rPr>
-              <a:t>24</a:t>
+              <a:t>25</a:t>
             </a:fld>
             <a:endParaRPr lang="en-US" sz="1200">
               <a:solidFill>
@@ -4300,7 +4490,7 @@
 </p:notes>
 </file>
 
-<file path=ppt/notesSlides/notesSlide25.xml><?xml version="1.0" encoding="utf-8"?>
+<file path=ppt/notesSlides/notesSlide26.xml><?xml version="1.0" encoding="utf-8"?>
 <p:notes xmlns:a="http://schemas.openxmlformats.org/drawingml/2006/main" xmlns:r="http://schemas.openxmlformats.org/officeDocument/2006/relationships" xmlns:p="http://schemas.openxmlformats.org/presentationml/2006/main" showMasterSp="0" showMasterPhAnim="0">
   <p:cSld>
     <p:spTree>
@@ -4462,7 +4652,7 @@
                 <a:cs typeface="Calibri"/>
                 <a:sym typeface="Calibri"/>
               </a:rPr>
-              <a:t>25</a:t>
+              <a:t>26</a:t>
             </a:fld>
             <a:endParaRPr lang="en-US" sz="1200">
               <a:solidFill>
@@ -4484,7 +4674,7 @@
 </p:notes>
 </file>
 
-<file path=ppt/notesSlides/notesSlide26.xml><?xml version="1.0" encoding="utf-8"?>
+<file path=ppt/notesSlides/notesSlide27.xml><?xml version="1.0" encoding="utf-8"?>
 <p:notes xmlns:a="http://schemas.openxmlformats.org/drawingml/2006/main" xmlns:r="http://schemas.openxmlformats.org/officeDocument/2006/relationships" xmlns:p="http://schemas.openxmlformats.org/presentationml/2006/main" showMasterSp="0" showMasterPhAnim="0">
   <p:cSld>
     <p:spTree>
@@ -4646,7 +4836,7 @@
                 <a:cs typeface="Calibri"/>
                 <a:sym typeface="Calibri"/>
               </a:rPr>
-              <a:t>26</a:t>
+              <a:t>27</a:t>
             </a:fld>
             <a:endParaRPr lang="en-US" sz="1200">
               <a:solidFill>
@@ -4668,7 +4858,7 @@
 </p:notes>
 </file>
 
-<file path=ppt/notesSlides/notesSlide27.xml><?xml version="1.0" encoding="utf-8"?>
+<file path=ppt/notesSlides/notesSlide28.xml><?xml version="1.0" encoding="utf-8"?>
 <p:notes xmlns:a="http://schemas.openxmlformats.org/drawingml/2006/main" xmlns:r="http://schemas.openxmlformats.org/officeDocument/2006/relationships" xmlns:p="http://schemas.openxmlformats.org/presentationml/2006/main" showMasterSp="0" showMasterPhAnim="0">
   <p:cSld>
     <p:spTree>
@@ -4830,7 +5020,7 @@
                 <a:cs typeface="Calibri"/>
                 <a:sym typeface="Calibri"/>
               </a:rPr>
-              <a:t>27</a:t>
+              <a:t>28</a:t>
             </a:fld>
             <a:endParaRPr lang="en-US" sz="1200">
               <a:solidFill>
@@ -4852,7 +5042,7 @@
 </p:notes>
 </file>
 
-<file path=ppt/notesSlides/notesSlide28.xml><?xml version="1.0" encoding="utf-8"?>
+<file path=ppt/notesSlides/notesSlide29.xml><?xml version="1.0" encoding="utf-8"?>
 <p:notes xmlns:a="http://schemas.openxmlformats.org/drawingml/2006/main" xmlns:r="http://schemas.openxmlformats.org/officeDocument/2006/relationships" xmlns:p="http://schemas.openxmlformats.org/presentationml/2006/main" showMasterSp="0" showMasterPhAnim="0">
   <p:cSld>
     <p:spTree>
@@ -4971,190 +5161,6 @@
       <p:sp>
         <p:nvSpPr>
           <p:cNvPr id="446" name="Shape 446"/>
-          <p:cNvSpPr txBox="1">
-            <a:spLocks noGrp="1"/>
-          </p:cNvSpPr>
-          <p:nvPr>
-            <p:ph type="sldNum" idx="12"/>
-          </p:nvPr>
-        </p:nvSpPr>
-        <p:spPr>
-          <a:xfrm>
-            <a:off x="3884612" y="8685213"/>
-            <a:ext cx="2971799" cy="457200"/>
-          </a:xfrm>
-          <a:prstGeom prst="rect">
-            <a:avLst/>
-          </a:prstGeom>
-          <a:noFill/>
-          <a:ln>
-            <a:noFill/>
-          </a:ln>
-        </p:spPr>
-        <p:txBody>
-          <a:bodyPr lIns="91425" tIns="45700" rIns="91425" bIns="45700" anchor="b" anchorCtr="0">
-            <a:noAutofit/>
-          </a:bodyPr>
-          <a:lstStyle/>
-          <a:p>
-            <a:pPr marL="0" marR="0" lvl="0" indent="0" algn="r" rtl="0">
-              <a:spcBef>
-                <a:spcPts val="0"/>
-              </a:spcBef>
-              <a:buSzPct val="25000"/>
-              <a:buNone/>
-            </a:pPr>
-            <a:fld id="{00000000-1234-1234-1234-123412341234}" type="slidenum">
-              <a:rPr lang="en-US" sz="1200">
-                <a:solidFill>
-                  <a:schemeClr val="dk1"/>
-                </a:solidFill>
-                <a:latin typeface="Calibri"/>
-                <a:ea typeface="Calibri"/>
-                <a:cs typeface="Calibri"/>
-                <a:sym typeface="Calibri"/>
-              </a:rPr>
-              <a:t>28</a:t>
-            </a:fld>
-            <a:endParaRPr lang="en-US" sz="1200">
-              <a:solidFill>
-                <a:schemeClr val="dk1"/>
-              </a:solidFill>
-              <a:latin typeface="Calibri"/>
-              <a:ea typeface="Calibri"/>
-              <a:cs typeface="Calibri"/>
-              <a:sym typeface="Calibri"/>
-            </a:endParaRPr>
-          </a:p>
-        </p:txBody>
-      </p:sp>
-    </p:spTree>
-  </p:cSld>
-  <p:clrMapOvr>
-    <a:masterClrMapping/>
-  </p:clrMapOvr>
-</p:notes>
-</file>
-
-<file path=ppt/notesSlides/notesSlide29.xml><?xml version="1.0" encoding="utf-8"?>
-<p:notes xmlns:a="http://schemas.openxmlformats.org/drawingml/2006/main" xmlns:r="http://schemas.openxmlformats.org/officeDocument/2006/relationships" xmlns:p="http://schemas.openxmlformats.org/presentationml/2006/main" showMasterSp="0" showMasterPhAnim="0">
-  <p:cSld>
-    <p:spTree>
-      <p:nvGrpSpPr>
-        <p:cNvPr id="1" name="Shape 453"/>
-        <p:cNvGrpSpPr/>
-        <p:nvPr/>
-      </p:nvGrpSpPr>
-      <p:grpSpPr>
-        <a:xfrm>
-          <a:off x="0" y="0"/>
-          <a:ext cx="0" cy="0"/>
-          <a:chOff x="0" y="0"/>
-          <a:chExt cx="0" cy="0"/>
-        </a:xfrm>
-      </p:grpSpPr>
-      <p:sp>
-        <p:nvSpPr>
-          <p:cNvPr id="454" name="Shape 454"/>
-          <p:cNvSpPr>
-            <a:spLocks noGrp="1" noRot="1" noChangeAspect="1"/>
-          </p:cNvSpPr>
-          <p:nvPr>
-            <p:ph type="sldImg" idx="2"/>
-          </p:nvPr>
-        </p:nvSpPr>
-        <p:spPr>
-          <a:xfrm>
-            <a:off x="1143000" y="685800"/>
-            <a:ext cx="4572000" cy="3429000"/>
-          </a:xfrm>
-          <a:custGeom>
-            <a:avLst/>
-            <a:gdLst/>
-            <a:ahLst/>
-            <a:cxnLst/>
-            <a:rect l="0" t="0" r="0" b="0"/>
-            <a:pathLst>
-              <a:path w="120000" h="120000" extrusionOk="0">
-                <a:moveTo>
-                  <a:pt x="0" y="0"/>
-                </a:moveTo>
-                <a:lnTo>
-                  <a:pt x="120000" y="0"/>
-                </a:lnTo>
-                <a:lnTo>
-                  <a:pt x="120000" y="120000"/>
-                </a:lnTo>
-                <a:lnTo>
-                  <a:pt x="0" y="120000"/>
-                </a:lnTo>
-                <a:close/>
-              </a:path>
-            </a:pathLst>
-          </a:custGeom>
-          <a:noFill/>
-          <a:ln w="12700" cap="flat" cmpd="sng">
-            <a:solidFill>
-              <a:srgbClr val="000000"/>
-            </a:solidFill>
-            <a:prstDash val="solid"/>
-            <a:round/>
-            <a:headEnd type="none" w="med" len="med"/>
-            <a:tailEnd type="none" w="med" len="med"/>
-          </a:ln>
-        </p:spPr>
-      </p:sp>
-      <p:sp>
-        <p:nvSpPr>
-          <p:cNvPr id="455" name="Shape 455"/>
-          <p:cNvSpPr txBox="1">
-            <a:spLocks noGrp="1"/>
-          </p:cNvSpPr>
-          <p:nvPr>
-            <p:ph type="body" idx="1"/>
-          </p:nvPr>
-        </p:nvSpPr>
-        <p:spPr>
-          <a:xfrm>
-            <a:off x="685800" y="4343400"/>
-            <a:ext cx="5486399" cy="4114800"/>
-          </a:xfrm>
-          <a:prstGeom prst="rect">
-            <a:avLst/>
-          </a:prstGeom>
-          <a:noFill/>
-          <a:ln>
-            <a:noFill/>
-          </a:ln>
-        </p:spPr>
-        <p:txBody>
-          <a:bodyPr lIns="91425" tIns="45700" rIns="91425" bIns="45700" anchor="t" anchorCtr="0">
-            <a:noAutofit/>
-          </a:bodyPr>
-          <a:lstStyle/>
-          <a:p>
-            <a:pPr marL="0" marR="0" lvl="0" indent="0" algn="l" rtl="0">
-              <a:spcBef>
-                <a:spcPts val="0"/>
-              </a:spcBef>
-              <a:buSzPct val="25000"/>
-              <a:buNone/>
-            </a:pPr>
-            <a:endParaRPr sz="1200" b="0" i="0" u="none" strike="noStrike" cap="none">
-              <a:solidFill>
-                <a:schemeClr val="dk1"/>
-              </a:solidFill>
-              <a:latin typeface="Calibri"/>
-              <a:ea typeface="Calibri"/>
-              <a:cs typeface="Calibri"/>
-              <a:sym typeface="Calibri"/>
-            </a:endParaRPr>
-          </a:p>
-        </p:txBody>
-      </p:sp>
-      <p:sp>
-        <p:nvSpPr>
-          <p:cNvPr id="456" name="Shape 456"/>
           <p:cNvSpPr txBox="1">
             <a:spLocks noGrp="1"/>
           </p:cNvSpPr>
@@ -5402,6 +5408,190 @@
         <p14:creationId xmlns:p14="http://schemas.microsoft.com/office/powerpoint/2010/main" val="2354087454"/>
       </p:ext>
     </p:extLst>
+  </p:cSld>
+  <p:clrMapOvr>
+    <a:masterClrMapping/>
+  </p:clrMapOvr>
+</p:notes>
+</file>
+
+<file path=ppt/notesSlides/notesSlide30.xml><?xml version="1.0" encoding="utf-8"?>
+<p:notes xmlns:a="http://schemas.openxmlformats.org/drawingml/2006/main" xmlns:r="http://schemas.openxmlformats.org/officeDocument/2006/relationships" xmlns:p="http://schemas.openxmlformats.org/presentationml/2006/main" showMasterSp="0" showMasterPhAnim="0">
+  <p:cSld>
+    <p:spTree>
+      <p:nvGrpSpPr>
+        <p:cNvPr id="1" name="Shape 453"/>
+        <p:cNvGrpSpPr/>
+        <p:nvPr/>
+      </p:nvGrpSpPr>
+      <p:grpSpPr>
+        <a:xfrm>
+          <a:off x="0" y="0"/>
+          <a:ext cx="0" cy="0"/>
+          <a:chOff x="0" y="0"/>
+          <a:chExt cx="0" cy="0"/>
+        </a:xfrm>
+      </p:grpSpPr>
+      <p:sp>
+        <p:nvSpPr>
+          <p:cNvPr id="454" name="Shape 454"/>
+          <p:cNvSpPr>
+            <a:spLocks noGrp="1" noRot="1" noChangeAspect="1"/>
+          </p:cNvSpPr>
+          <p:nvPr>
+            <p:ph type="sldImg" idx="2"/>
+          </p:nvPr>
+        </p:nvSpPr>
+        <p:spPr>
+          <a:xfrm>
+            <a:off x="1143000" y="685800"/>
+            <a:ext cx="4572000" cy="3429000"/>
+          </a:xfrm>
+          <a:custGeom>
+            <a:avLst/>
+            <a:gdLst/>
+            <a:ahLst/>
+            <a:cxnLst/>
+            <a:rect l="0" t="0" r="0" b="0"/>
+            <a:pathLst>
+              <a:path w="120000" h="120000" extrusionOk="0">
+                <a:moveTo>
+                  <a:pt x="0" y="0"/>
+                </a:moveTo>
+                <a:lnTo>
+                  <a:pt x="120000" y="0"/>
+                </a:lnTo>
+                <a:lnTo>
+                  <a:pt x="120000" y="120000"/>
+                </a:lnTo>
+                <a:lnTo>
+                  <a:pt x="0" y="120000"/>
+                </a:lnTo>
+                <a:close/>
+              </a:path>
+            </a:pathLst>
+          </a:custGeom>
+          <a:noFill/>
+          <a:ln w="12700" cap="flat" cmpd="sng">
+            <a:solidFill>
+              <a:srgbClr val="000000"/>
+            </a:solidFill>
+            <a:prstDash val="solid"/>
+            <a:round/>
+            <a:headEnd type="none" w="med" len="med"/>
+            <a:tailEnd type="none" w="med" len="med"/>
+          </a:ln>
+        </p:spPr>
+      </p:sp>
+      <p:sp>
+        <p:nvSpPr>
+          <p:cNvPr id="455" name="Shape 455"/>
+          <p:cNvSpPr txBox="1">
+            <a:spLocks noGrp="1"/>
+          </p:cNvSpPr>
+          <p:nvPr>
+            <p:ph type="body" idx="1"/>
+          </p:nvPr>
+        </p:nvSpPr>
+        <p:spPr>
+          <a:xfrm>
+            <a:off x="685800" y="4343400"/>
+            <a:ext cx="5486399" cy="4114800"/>
+          </a:xfrm>
+          <a:prstGeom prst="rect">
+            <a:avLst/>
+          </a:prstGeom>
+          <a:noFill/>
+          <a:ln>
+            <a:noFill/>
+          </a:ln>
+        </p:spPr>
+        <p:txBody>
+          <a:bodyPr lIns="91425" tIns="45700" rIns="91425" bIns="45700" anchor="t" anchorCtr="0">
+            <a:noAutofit/>
+          </a:bodyPr>
+          <a:lstStyle/>
+          <a:p>
+            <a:pPr marL="0" marR="0" lvl="0" indent="0" algn="l" rtl="0">
+              <a:spcBef>
+                <a:spcPts val="0"/>
+              </a:spcBef>
+              <a:buSzPct val="25000"/>
+              <a:buNone/>
+            </a:pPr>
+            <a:endParaRPr sz="1200" b="0" i="0" u="none" strike="noStrike" cap="none">
+              <a:solidFill>
+                <a:schemeClr val="dk1"/>
+              </a:solidFill>
+              <a:latin typeface="Calibri"/>
+              <a:ea typeface="Calibri"/>
+              <a:cs typeface="Calibri"/>
+              <a:sym typeface="Calibri"/>
+            </a:endParaRPr>
+          </a:p>
+        </p:txBody>
+      </p:sp>
+      <p:sp>
+        <p:nvSpPr>
+          <p:cNvPr id="456" name="Shape 456"/>
+          <p:cNvSpPr txBox="1">
+            <a:spLocks noGrp="1"/>
+          </p:cNvSpPr>
+          <p:nvPr>
+            <p:ph type="sldNum" idx="12"/>
+          </p:nvPr>
+        </p:nvSpPr>
+        <p:spPr>
+          <a:xfrm>
+            <a:off x="3884612" y="8685213"/>
+            <a:ext cx="2971799" cy="457200"/>
+          </a:xfrm>
+          <a:prstGeom prst="rect">
+            <a:avLst/>
+          </a:prstGeom>
+          <a:noFill/>
+          <a:ln>
+            <a:noFill/>
+          </a:ln>
+        </p:spPr>
+        <p:txBody>
+          <a:bodyPr lIns="91425" tIns="45700" rIns="91425" bIns="45700" anchor="b" anchorCtr="0">
+            <a:noAutofit/>
+          </a:bodyPr>
+          <a:lstStyle/>
+          <a:p>
+            <a:pPr marL="0" marR="0" lvl="0" indent="0" algn="r" rtl="0">
+              <a:spcBef>
+                <a:spcPts val="0"/>
+              </a:spcBef>
+              <a:buSzPct val="25000"/>
+              <a:buNone/>
+            </a:pPr>
+            <a:fld id="{00000000-1234-1234-1234-123412341234}" type="slidenum">
+              <a:rPr lang="en-US" sz="1200">
+                <a:solidFill>
+                  <a:schemeClr val="dk1"/>
+                </a:solidFill>
+                <a:latin typeface="Calibri"/>
+                <a:ea typeface="Calibri"/>
+                <a:cs typeface="Calibri"/>
+                <a:sym typeface="Calibri"/>
+              </a:rPr>
+              <a:t>30</a:t>
+            </a:fld>
+            <a:endParaRPr lang="en-US" sz="1200">
+              <a:solidFill>
+                <a:schemeClr val="dk1"/>
+              </a:solidFill>
+              <a:latin typeface="Calibri"/>
+              <a:ea typeface="Calibri"/>
+              <a:cs typeface="Calibri"/>
+              <a:sym typeface="Calibri"/>
+            </a:endParaRPr>
+          </a:p>
+        </p:txBody>
+      </p:sp>
+    </p:spTree>
   </p:cSld>
   <p:clrMapOvr>
     <a:masterClrMapping/>
@@ -25666,7 +25856,7 @@
         </p:nvGraphicFramePr>
         <p:xfrm>
           <a:off x="92975" y="160325"/>
-          <a:ext cx="6685650" cy="6080310"/>
+          <a:ext cx="6685650" cy="6324150"/>
         </p:xfrm>
         <a:graphic>
           <a:graphicData uri="http://schemas.openxmlformats.org/drawingml/2006/table">
@@ -30149,6 +30339,228 @@
           </a:p>
         </p:txBody>
       </p:sp>
+      <p:sp>
+        <p:nvSpPr>
+          <p:cNvPr id="390" name="Shape 390" descr="http://upload.wikimedia.org/wikipedia/commons/c/c4/2-Dice-Icon.svg"/>
+          <p:cNvSpPr/>
+          <p:nvPr/>
+        </p:nvSpPr>
+        <p:spPr>
+          <a:xfrm>
+            <a:off x="307973" y="160336"/>
+            <a:ext cx="8310489" cy="3733800"/>
+          </a:xfrm>
+          <a:prstGeom prst="rect">
+            <a:avLst/>
+          </a:prstGeom>
+          <a:noFill/>
+          <a:ln>
+            <a:noFill/>
+          </a:ln>
+        </p:spPr>
+        <p:txBody>
+          <a:bodyPr lIns="91425" tIns="45700" rIns="91425" bIns="45700" anchor="t" anchorCtr="0">
+            <a:noAutofit/>
+          </a:bodyPr>
+          <a:lstStyle/>
+          <a:p>
+            <a:pPr marL="0" marR="0" lvl="0" indent="0" algn="l" rtl="0">
+              <a:spcBef>
+                <a:spcPts val="0"/>
+              </a:spcBef>
+              <a:buSzPct val="25000"/>
+              <a:buNone/>
+            </a:pPr>
+            <a:r>
+              <a:rPr lang="en-US" sz="3600" dirty="0" smtClean="0">
+                <a:solidFill>
+                  <a:srgbClr val="FFFF66"/>
+                </a:solidFill>
+                <a:latin typeface="Gill Sans MT"/>
+                <a:ea typeface="Gill Sans MT"/>
+                <a:cs typeface="Gill Sans MT"/>
+                <a:sym typeface="Gill Sans MT"/>
+              </a:rPr>
+              <a:t>Add slide on direction, magnitude, </a:t>
+            </a:r>
+            <a:r>
+              <a:rPr lang="en-US" sz="3600" smtClean="0">
+                <a:solidFill>
+                  <a:srgbClr val="FFFF66"/>
+                </a:solidFill>
+                <a:latin typeface="Gill Sans MT"/>
+                <a:ea typeface="Gill Sans MT"/>
+                <a:cs typeface="Gill Sans MT"/>
+                <a:sym typeface="Gill Sans MT"/>
+              </a:rPr>
+              <a:t>and significance</a:t>
+            </a:r>
+            <a:endParaRPr lang="en-US" sz="3600" dirty="0">
+              <a:solidFill>
+                <a:srgbClr val="FFFF66"/>
+              </a:solidFill>
+              <a:latin typeface="Gill Sans MT"/>
+              <a:ea typeface="Gill Sans MT"/>
+              <a:cs typeface="Gill Sans MT"/>
+              <a:sym typeface="Gill Sans MT"/>
+            </a:endParaRPr>
+          </a:p>
+        </p:txBody>
+      </p:sp>
+    </p:spTree>
+  </p:cSld>
+  <p:clrMapOvr>
+    <a:masterClrMapping/>
+  </p:clrMapOvr>
+</p:sld>
+</file>
+
+<file path=ppt/slides/slide24.xml><?xml version="1.0" encoding="utf-8"?>
+<p:sld xmlns:a="http://schemas.openxmlformats.org/drawingml/2006/main" xmlns:r="http://schemas.openxmlformats.org/officeDocument/2006/relationships" xmlns:p="http://schemas.openxmlformats.org/presentationml/2006/main">
+  <p:cSld>
+    <p:spTree>
+      <p:nvGrpSpPr>
+        <p:cNvPr id="1" name="Shape 385"/>
+        <p:cNvGrpSpPr/>
+        <p:nvPr/>
+      </p:nvGrpSpPr>
+      <p:grpSpPr>
+        <a:xfrm>
+          <a:off x="0" y="0"/>
+          <a:ext cx="0" cy="0"/>
+          <a:chOff x="0" y="0"/>
+          <a:chExt cx="0" cy="0"/>
+        </a:xfrm>
+      </p:grpSpPr>
+      <p:sp>
+        <p:nvSpPr>
+          <p:cNvPr id="386" name="Shape 386" descr="http://upload.wikimedia.org/wikipedia/commons/c/c4/2-Dice-Icon.svg"/>
+          <p:cNvSpPr/>
+          <p:nvPr/>
+        </p:nvSpPr>
+        <p:spPr>
+          <a:xfrm>
+            <a:off x="155575" y="-144463"/>
+            <a:ext cx="304799" cy="304801"/>
+          </a:xfrm>
+          <a:prstGeom prst="rect">
+            <a:avLst/>
+          </a:prstGeom>
+          <a:noFill/>
+          <a:ln>
+            <a:noFill/>
+          </a:ln>
+        </p:spPr>
+        <p:txBody>
+          <a:bodyPr lIns="91425" tIns="45700" rIns="91425" bIns="45700" anchor="t" anchorCtr="0">
+            <a:noAutofit/>
+          </a:bodyPr>
+          <a:lstStyle/>
+          <a:p>
+            <a:pPr marL="0" marR="0" lvl="0" indent="0" algn="l" rtl="0">
+              <a:spcBef>
+                <a:spcPts val="0"/>
+              </a:spcBef>
+              <a:buNone/>
+            </a:pPr>
+            <a:endParaRPr sz="1800">
+              <a:solidFill>
+                <a:schemeClr val="dk1"/>
+              </a:solidFill>
+              <a:latin typeface="Gill Sans MT"/>
+              <a:ea typeface="Gill Sans MT"/>
+              <a:cs typeface="Gill Sans MT"/>
+              <a:sym typeface="Gill Sans MT"/>
+            </a:endParaRPr>
+          </a:p>
+        </p:txBody>
+      </p:sp>
+      <p:sp>
+        <p:nvSpPr>
+          <p:cNvPr id="387" name="Shape 387" descr="http://upload.wikimedia.org/wikipedia/commons/c/c4/2-Dice-Icon.svg"/>
+          <p:cNvSpPr/>
+          <p:nvPr/>
+        </p:nvSpPr>
+        <p:spPr>
+          <a:xfrm>
+            <a:off x="307975" y="7937"/>
+            <a:ext cx="304799" cy="304801"/>
+          </a:xfrm>
+          <a:prstGeom prst="rect">
+            <a:avLst/>
+          </a:prstGeom>
+          <a:noFill/>
+          <a:ln>
+            <a:noFill/>
+          </a:ln>
+        </p:spPr>
+        <p:txBody>
+          <a:bodyPr lIns="91425" tIns="45700" rIns="91425" bIns="45700" anchor="t" anchorCtr="0">
+            <a:noAutofit/>
+          </a:bodyPr>
+          <a:lstStyle/>
+          <a:p>
+            <a:pPr marL="0" marR="0" lvl="0" indent="0" algn="l" rtl="0">
+              <a:spcBef>
+                <a:spcPts val="0"/>
+              </a:spcBef>
+              <a:buNone/>
+            </a:pPr>
+            <a:endParaRPr sz="1800">
+              <a:solidFill>
+                <a:schemeClr val="dk1"/>
+              </a:solidFill>
+              <a:latin typeface="Gill Sans MT"/>
+              <a:ea typeface="Gill Sans MT"/>
+              <a:cs typeface="Gill Sans MT"/>
+              <a:sym typeface="Gill Sans MT"/>
+            </a:endParaRPr>
+          </a:p>
+        </p:txBody>
+      </p:sp>
+      <p:sp>
+        <p:nvSpPr>
+          <p:cNvPr id="388" name="Shape 388" descr="http://upload.wikimedia.org/wikipedia/commons/c/c4/2-Dice-Icon.svg"/>
+          <p:cNvSpPr/>
+          <p:nvPr/>
+        </p:nvSpPr>
+        <p:spPr>
+          <a:xfrm>
+            <a:off x="460375" y="160336"/>
+            <a:ext cx="304799" cy="304801"/>
+          </a:xfrm>
+          <a:prstGeom prst="rect">
+            <a:avLst/>
+          </a:prstGeom>
+          <a:noFill/>
+          <a:ln>
+            <a:noFill/>
+          </a:ln>
+        </p:spPr>
+        <p:txBody>
+          <a:bodyPr lIns="91425" tIns="45700" rIns="91425" bIns="45700" anchor="t" anchorCtr="0">
+            <a:noAutofit/>
+          </a:bodyPr>
+          <a:lstStyle/>
+          <a:p>
+            <a:pPr marL="0" marR="0" lvl="0" indent="0" algn="l" rtl="0">
+              <a:spcBef>
+                <a:spcPts val="0"/>
+              </a:spcBef>
+              <a:buNone/>
+            </a:pPr>
+            <a:endParaRPr sz="1800">
+              <a:solidFill>
+                <a:schemeClr val="dk1"/>
+              </a:solidFill>
+              <a:latin typeface="Gill Sans MT"/>
+              <a:ea typeface="Gill Sans MT"/>
+              <a:cs typeface="Gill Sans MT"/>
+              <a:sym typeface="Gill Sans MT"/>
+            </a:endParaRPr>
+          </a:p>
+        </p:txBody>
+      </p:sp>
       <p:pic>
         <p:nvPicPr>
           <p:cNvPr id="389" name="Shape 389" descr="http://www.thegraphicrecorder.com/wp-content/uploads/2012/01/CorrelationCausationFinal1.jpg"/>
@@ -30286,6 +30698,11 @@
         </p:txBody>
       </p:sp>
     </p:spTree>
+    <p:extLst>
+      <p:ext uri="{BB962C8B-B14F-4D97-AF65-F5344CB8AC3E}">
+        <p14:creationId xmlns:p14="http://schemas.microsoft.com/office/powerpoint/2010/main" val="878233095"/>
+      </p:ext>
+    </p:extLst>
   </p:cSld>
   <p:clrMapOvr>
     <a:masterClrMapping/>
@@ -30293,7 +30710,7 @@
 </p:sld>
 </file>
 
-<file path=ppt/slides/slide24.xml><?xml version="1.0" encoding="utf-8"?>
+<file path=ppt/slides/slide25.xml><?xml version="1.0" encoding="utf-8"?>
 <p:sld xmlns:a="http://schemas.openxmlformats.org/drawingml/2006/main" xmlns:r="http://schemas.openxmlformats.org/officeDocument/2006/relationships" xmlns:p="http://schemas.openxmlformats.org/presentationml/2006/main">
   <p:cSld>
     <p:spTree>
@@ -30581,7 +30998,7 @@
 </p:sld>
 </file>
 
-<file path=ppt/slides/slide25.xml><?xml version="1.0" encoding="utf-8"?>
+<file path=ppt/slides/slide26.xml><?xml version="1.0" encoding="utf-8"?>
 <p:sld xmlns:a="http://schemas.openxmlformats.org/drawingml/2006/main" xmlns:r="http://schemas.openxmlformats.org/officeDocument/2006/relationships" xmlns:p="http://schemas.openxmlformats.org/presentationml/2006/main">
   <p:cSld>
     <p:spTree>
@@ -30924,8 +31341,8 @@
           </a:p>
         </p:txBody>
       </p:sp>
-      <mc:AlternateContent xmlns:mc="http://schemas.openxmlformats.org/markup-compatibility/2006">
-        <mc:Choice xmlns:a14="http://schemas.microsoft.com/office/drawing/2010/main" Requires="a14">
+      <mc:AlternateContent xmlns:mc="http://schemas.openxmlformats.org/markup-compatibility/2006" xmlns:a14="http://schemas.microsoft.com/office/drawing/2010/main">
+        <mc:Choice Requires="a14">
           <p:sp>
             <p:nvSpPr>
               <p:cNvPr id="2" name="TextBox 1"/>
@@ -30948,6 +31365,7 @@
               </a:bodyPr>
               <a:lstStyle/>
               <a:p>
+                <a:pPr/>
                 <a14:m>
                   <m:oMathPara xmlns:m="http://schemas.openxmlformats.org/officeDocument/2006/math">
                     <m:oMathParaPr>
@@ -31111,7 +31529,7 @@
             </p:txBody>
           </p:sp>
         </mc:Choice>
-        <mc:Fallback>
+        <mc:Fallback xmlns="">
           <p:sp>
             <p:nvSpPr>
               <p:cNvPr id="2" name="TextBox 1"/>
@@ -31158,7 +31576,7 @@
 </p:sld>
 </file>
 
-<file path=ppt/slides/slide26.xml><?xml version="1.0" encoding="utf-8"?>
+<file path=ppt/slides/slide27.xml><?xml version="1.0" encoding="utf-8"?>
 <p:sld xmlns:a="http://schemas.openxmlformats.org/drawingml/2006/main" xmlns:r="http://schemas.openxmlformats.org/officeDocument/2006/relationships" xmlns:p="http://schemas.openxmlformats.org/presentationml/2006/main">
   <p:cSld>
     <p:spTree>
@@ -31491,7 +31909,7 @@
 </p:sld>
 </file>
 
-<file path=ppt/slides/slide27.xml><?xml version="1.0" encoding="utf-8"?>
+<file path=ppt/slides/slide28.xml><?xml version="1.0" encoding="utf-8"?>
 <p:sld xmlns:a="http://schemas.openxmlformats.org/drawingml/2006/main" xmlns:r="http://schemas.openxmlformats.org/officeDocument/2006/relationships" xmlns:p="http://schemas.openxmlformats.org/presentationml/2006/main">
   <p:cSld>
     <p:spTree>
@@ -31640,7 +32058,7 @@
 </p:sld>
 </file>
 
-<file path=ppt/slides/slide28.xml><?xml version="1.0" encoding="utf-8"?>
+<file path=ppt/slides/slide29.xml><?xml version="1.0" encoding="utf-8"?>
 <p:sld xmlns:a="http://schemas.openxmlformats.org/drawingml/2006/main" xmlns:r="http://schemas.openxmlformats.org/officeDocument/2006/relationships" xmlns:p="http://schemas.openxmlformats.org/presentationml/2006/main">
   <p:cSld>
     <p:spTree>
@@ -31864,7 +32282,948 @@
 </p:sld>
 </file>
 
-<file path=ppt/slides/slide29.xml><?xml version="1.0" encoding="utf-8"?>
+<file path=ppt/slides/slide3.xml><?xml version="1.0" encoding="utf-8"?>
+<p:sld xmlns:a="http://schemas.openxmlformats.org/drawingml/2006/main" xmlns:r="http://schemas.openxmlformats.org/officeDocument/2006/relationships" xmlns:p="http://schemas.openxmlformats.org/presentationml/2006/main">
+  <p:cSld>
+    <p:spTree>
+      <p:nvGrpSpPr>
+        <p:cNvPr id="1" name="Shape 106"/>
+        <p:cNvGrpSpPr/>
+        <p:nvPr/>
+      </p:nvGrpSpPr>
+      <p:grpSpPr>
+        <a:xfrm>
+          <a:off x="0" y="0"/>
+          <a:ext cx="0" cy="0"/>
+          <a:chOff x="0" y="0"/>
+          <a:chExt cx="0" cy="0"/>
+        </a:xfrm>
+      </p:grpSpPr>
+      <p:sp>
+        <p:nvSpPr>
+          <p:cNvPr id="107" name="Shape 107" descr="http://upload.wikimedia.org/wikipedia/commons/c/c4/2-Dice-Icon.svg"/>
+          <p:cNvSpPr/>
+          <p:nvPr/>
+        </p:nvSpPr>
+        <p:spPr>
+          <a:xfrm>
+            <a:off x="155575" y="-144463"/>
+            <a:ext cx="304799" cy="304801"/>
+          </a:xfrm>
+          <a:prstGeom prst="rect">
+            <a:avLst/>
+          </a:prstGeom>
+          <a:noFill/>
+          <a:ln>
+            <a:noFill/>
+          </a:ln>
+        </p:spPr>
+        <p:txBody>
+          <a:bodyPr lIns="91425" tIns="45700" rIns="91425" bIns="45700" anchor="t" anchorCtr="0">
+            <a:noAutofit/>
+          </a:bodyPr>
+          <a:lstStyle/>
+          <a:p>
+            <a:pPr marL="0" marR="0" lvl="0" indent="0" algn="l" rtl="0">
+              <a:spcBef>
+                <a:spcPts val="0"/>
+              </a:spcBef>
+              <a:buNone/>
+            </a:pPr>
+            <a:endParaRPr sz="1800">
+              <a:solidFill>
+                <a:schemeClr val="dk1"/>
+              </a:solidFill>
+              <a:latin typeface="Gill Sans MT"/>
+              <a:ea typeface="Gill Sans MT"/>
+              <a:cs typeface="Gill Sans MT"/>
+              <a:sym typeface="Gill Sans MT"/>
+            </a:endParaRPr>
+          </a:p>
+        </p:txBody>
+      </p:sp>
+      <p:sp>
+        <p:nvSpPr>
+          <p:cNvPr id="108" name="Shape 108" descr="http://upload.wikimedia.org/wikipedia/commons/c/c4/2-Dice-Icon.svg"/>
+          <p:cNvSpPr/>
+          <p:nvPr/>
+        </p:nvSpPr>
+        <p:spPr>
+          <a:xfrm>
+            <a:off x="307975" y="7937"/>
+            <a:ext cx="304799" cy="304801"/>
+          </a:xfrm>
+          <a:prstGeom prst="rect">
+            <a:avLst/>
+          </a:prstGeom>
+          <a:noFill/>
+          <a:ln>
+            <a:noFill/>
+          </a:ln>
+        </p:spPr>
+        <p:txBody>
+          <a:bodyPr lIns="91425" tIns="45700" rIns="91425" bIns="45700" anchor="t" anchorCtr="0">
+            <a:noAutofit/>
+          </a:bodyPr>
+          <a:lstStyle/>
+          <a:p>
+            <a:pPr marL="0" marR="0" lvl="0" indent="0" algn="l" rtl="0">
+              <a:spcBef>
+                <a:spcPts val="0"/>
+              </a:spcBef>
+              <a:buNone/>
+            </a:pPr>
+            <a:endParaRPr sz="1800">
+              <a:solidFill>
+                <a:schemeClr val="dk1"/>
+              </a:solidFill>
+              <a:latin typeface="Gill Sans MT"/>
+              <a:ea typeface="Gill Sans MT"/>
+              <a:cs typeface="Gill Sans MT"/>
+              <a:sym typeface="Gill Sans MT"/>
+            </a:endParaRPr>
+          </a:p>
+        </p:txBody>
+      </p:sp>
+      <p:sp>
+        <p:nvSpPr>
+          <p:cNvPr id="109" name="Shape 109" descr="http://upload.wikimedia.org/wikipedia/commons/c/c4/2-Dice-Icon.svg"/>
+          <p:cNvSpPr/>
+          <p:nvPr/>
+        </p:nvSpPr>
+        <p:spPr>
+          <a:xfrm>
+            <a:off x="460375" y="160336"/>
+            <a:ext cx="304799" cy="304801"/>
+          </a:xfrm>
+          <a:prstGeom prst="rect">
+            <a:avLst/>
+          </a:prstGeom>
+          <a:noFill/>
+          <a:ln>
+            <a:noFill/>
+          </a:ln>
+        </p:spPr>
+        <p:txBody>
+          <a:bodyPr lIns="91425" tIns="45700" rIns="91425" bIns="45700" anchor="t" anchorCtr="0">
+            <a:noAutofit/>
+          </a:bodyPr>
+          <a:lstStyle/>
+          <a:p>
+            <a:pPr marL="0" marR="0" lvl="0" indent="0" algn="l" rtl="0">
+              <a:spcBef>
+                <a:spcPts val="0"/>
+              </a:spcBef>
+              <a:buNone/>
+            </a:pPr>
+            <a:endParaRPr sz="1800">
+              <a:solidFill>
+                <a:schemeClr val="dk1"/>
+              </a:solidFill>
+              <a:latin typeface="Gill Sans MT"/>
+              <a:ea typeface="Gill Sans MT"/>
+              <a:cs typeface="Gill Sans MT"/>
+              <a:sym typeface="Gill Sans MT"/>
+            </a:endParaRPr>
+          </a:p>
+        </p:txBody>
+      </p:sp>
+      <p:sp>
+        <p:nvSpPr>
+          <p:cNvPr id="110" name="Shape 110"/>
+          <p:cNvSpPr txBox="1">
+            <a:spLocks noGrp="1"/>
+          </p:cNvSpPr>
+          <p:nvPr>
+            <p:ph type="title"/>
+          </p:nvPr>
+        </p:nvSpPr>
+        <p:spPr>
+          <a:xfrm>
+            <a:off x="457200" y="274637"/>
+            <a:ext cx="8229600" cy="1143000"/>
+          </a:xfrm>
+          <a:prstGeom prst="rect">
+            <a:avLst/>
+          </a:prstGeom>
+          <a:noFill/>
+          <a:ln>
+            <a:noFill/>
+          </a:ln>
+        </p:spPr>
+        <p:txBody>
+          <a:bodyPr lIns="91425" tIns="45700" rIns="91425" bIns="45700" anchor="ctr" anchorCtr="0">
+            <a:noAutofit/>
+          </a:bodyPr>
+          <a:lstStyle/>
+          <a:p>
+            <a:pPr marL="0" marR="0" lvl="0" indent="0" algn="ctr" rtl="0">
+              <a:spcBef>
+                <a:spcPts val="0"/>
+              </a:spcBef>
+              <a:buClr>
+                <a:schemeClr val="dk1"/>
+              </a:buClr>
+              <a:buSzPct val="25000"/>
+              <a:buFont typeface="Gill Sans MT"/>
+              <a:buNone/>
+            </a:pPr>
+            <a:endParaRPr sz="4400" b="0" i="0" u="none" strike="noStrike" cap="none">
+              <a:solidFill>
+                <a:schemeClr val="dk1"/>
+              </a:solidFill>
+              <a:latin typeface="Gill Sans MT"/>
+              <a:ea typeface="Gill Sans MT"/>
+              <a:cs typeface="Gill Sans MT"/>
+              <a:sym typeface="Gill Sans MT"/>
+            </a:endParaRPr>
+          </a:p>
+        </p:txBody>
+      </p:sp>
+      <p:graphicFrame>
+        <p:nvGraphicFramePr>
+          <p:cNvPr id="111" name="Shape 111"/>
+          <p:cNvGraphicFramePr/>
+          <p:nvPr/>
+        </p:nvGraphicFramePr>
+        <p:xfrm>
+          <a:off x="457200" y="1371600"/>
+          <a:ext cx="8194700" cy="4414295"/>
+        </p:xfrm>
+        <a:graphic>
+          <a:graphicData uri="http://schemas.openxmlformats.org/drawingml/2006/table">
+            <a:tbl>
+              <a:tblPr firstRow="1" bandRow="1">
+                <a:noFill/>
+                <a:tableStyleId>{202CED45-07E1-44D6-B890-3F38FA185D91}</a:tableStyleId>
+              </a:tblPr>
+              <a:tblGrid>
+                <a:gridCol w="4097350">
+                  <a:extLst>
+                    <a:ext uri="{9D8B030D-6E8A-4147-A177-3AD203B41FA5}">
+                      <a16:colId xmlns:a16="http://schemas.microsoft.com/office/drawing/2014/main" val="20000"/>
+                    </a:ext>
+                  </a:extLst>
+                </a:gridCol>
+                <a:gridCol w="4097350">
+                  <a:extLst>
+                    <a:ext uri="{9D8B030D-6E8A-4147-A177-3AD203B41FA5}">
+                      <a16:colId xmlns:a16="http://schemas.microsoft.com/office/drawing/2014/main" val="20001"/>
+                    </a:ext>
+                  </a:extLst>
+                </a:gridCol>
+              </a:tblGrid>
+              <a:tr h="370800">
+                <a:tc>
+                  <a:txBody>
+                    <a:bodyPr/>
+                    <a:lstStyle/>
+                    <a:p>
+                      <a:pPr marL="0" marR="0" lvl="0" indent="0" algn="l" rtl="0">
+                        <a:spcBef>
+                          <a:spcPts val="0"/>
+                        </a:spcBef>
+                        <a:buSzPct val="25000"/>
+                        <a:buNone/>
+                      </a:pPr>
+                      <a:r>
+                        <a:rPr lang="en-US" sz="1800" u="none" strike="noStrike" cap="none"/>
+                        <a:t>Variablesc</a:t>
+                      </a:r>
+                    </a:p>
+                  </a:txBody>
+                  <a:tcPr marL="91450" marR="91450" marT="45725" marB="45725"/>
+                </a:tc>
+                <a:tc>
+                  <a:txBody>
+                    <a:bodyPr/>
+                    <a:lstStyle/>
+                    <a:p>
+                      <a:pPr marL="0" marR="0" lvl="0" indent="0" algn="l" rtl="0">
+                        <a:spcBef>
+                          <a:spcPts val="0"/>
+                        </a:spcBef>
+                        <a:buSzPct val="25000"/>
+                        <a:buNone/>
+                      </a:pPr>
+                      <a:r>
+                        <a:rPr lang="en-US" sz="1800"/>
+                        <a:t>Tests; test statistics; SE</a:t>
+                      </a:r>
+                    </a:p>
+                  </a:txBody>
+                  <a:tcPr marL="91450" marR="91450" marT="45725" marB="45725"/>
+                </a:tc>
+                <a:extLst>
+                  <a:ext uri="{0D108BD9-81ED-4DB2-BD59-A6C34878D82A}">
+                    <a16:rowId xmlns:a16="http://schemas.microsoft.com/office/drawing/2014/main" val="10000"/>
+                  </a:ext>
+                </a:extLst>
+              </a:tr>
+              <a:tr h="640025">
+                <a:tc>
+                  <a:txBody>
+                    <a:bodyPr/>
+                    <a:lstStyle/>
+                    <a:p>
+                      <a:pPr marL="0" marR="0" lvl="0" indent="0" algn="l" rtl="0">
+                        <a:spcBef>
+                          <a:spcPts val="0"/>
+                        </a:spcBef>
+                        <a:buSzPct val="25000"/>
+                        <a:buNone/>
+                      </a:pPr>
+                      <a:r>
+                        <a:rPr lang="en-US" sz="1800"/>
+                        <a:t>Continuous; one sample: </a:t>
+                      </a:r>
+                      <a:r>
+                        <a:rPr lang="en-US" sz="1800">
+                          <a:latin typeface="Noto Sans Symbols"/>
+                          <a:ea typeface="Noto Sans Symbols"/>
+                          <a:cs typeface="Noto Sans Symbols"/>
+                          <a:sym typeface="Noto Sans Symbols"/>
+                        </a:rPr>
+                        <a:t>σ</a:t>
+                      </a:r>
+                      <a:r>
+                        <a:rPr lang="en-US" sz="1800"/>
+                        <a:t> known and n &gt; 30 OR data is a proportion</a:t>
+                      </a:r>
+                    </a:p>
+                  </a:txBody>
+                  <a:tcPr marL="91450" marR="91450" marT="45725" marB="45725"/>
+                </a:tc>
+                <a:tc>
+                  <a:txBody>
+                    <a:bodyPr/>
+                    <a:lstStyle/>
+                    <a:p>
+                      <a:pPr marL="0" marR="0" lvl="0" indent="0" algn="l" rtl="0">
+                        <a:spcBef>
+                          <a:spcPts val="0"/>
+                        </a:spcBef>
+                        <a:buSzPct val="25000"/>
+                        <a:buNone/>
+                      </a:pPr>
+                      <a:r>
+                        <a:rPr lang="en-US" sz="1800"/>
+                        <a:t>One-sample z-test; Z;</a:t>
+                      </a:r>
+                    </a:p>
+                    <a:p>
+                      <a:pPr marL="0" marR="0" lvl="0" indent="0" algn="l" rtl="0">
+                        <a:spcBef>
+                          <a:spcPts val="0"/>
+                        </a:spcBef>
+                        <a:buSzPct val="25000"/>
+                        <a:buNone/>
+                      </a:pPr>
+                      <a:r>
+                        <a:rPr lang="en-US" sz="1800"/>
+                        <a:t>SE = </a:t>
+                      </a:r>
+                      <a:r>
+                        <a:rPr lang="en-US" sz="1800">
+                          <a:latin typeface="Noto Sans Symbols"/>
+                          <a:ea typeface="Noto Sans Symbols"/>
+                          <a:cs typeface="Noto Sans Symbols"/>
+                          <a:sym typeface="Noto Sans Symbols"/>
+                        </a:rPr>
+                        <a:t>σ</a:t>
+                      </a:r>
+                      <a:r>
+                        <a:rPr lang="en-US" sz="1800"/>
+                        <a:t>/sqrt(n); OR Diff. of proportions</a:t>
+                      </a:r>
+                    </a:p>
+                  </a:txBody>
+                  <a:tcPr marL="91450" marR="91450" marT="45725" marB="45725"/>
+                </a:tc>
+                <a:extLst>
+                  <a:ext uri="{0D108BD9-81ED-4DB2-BD59-A6C34878D82A}">
+                    <a16:rowId xmlns:a16="http://schemas.microsoft.com/office/drawing/2014/main" val="10001"/>
+                  </a:ext>
+                </a:extLst>
+              </a:tr>
+              <a:tr h="640025">
+                <a:tc>
+                  <a:txBody>
+                    <a:bodyPr/>
+                    <a:lstStyle/>
+                    <a:p>
+                      <a:pPr marL="0" marR="0" lvl="0" indent="0" algn="l" rtl="0">
+                        <a:spcBef>
+                          <a:spcPts val="0"/>
+                        </a:spcBef>
+                        <a:buSzPct val="25000"/>
+                        <a:buNone/>
+                      </a:pPr>
+                      <a:r>
+                        <a:rPr lang="en-US" sz="1800"/>
+                        <a:t>Continuous; one sample: </a:t>
+                      </a:r>
+                      <a:r>
+                        <a:rPr lang="en-US" sz="1800">
+                          <a:latin typeface="Noto Sans Symbols"/>
+                          <a:ea typeface="Noto Sans Symbols"/>
+                          <a:cs typeface="Noto Sans Symbols"/>
+                          <a:sym typeface="Noto Sans Symbols"/>
+                        </a:rPr>
+                        <a:t>σ</a:t>
+                      </a:r>
+                      <a:r>
+                        <a:rPr lang="en-US" sz="1800"/>
+                        <a:t> unknown or n &lt; 30</a:t>
+                      </a:r>
+                    </a:p>
+                  </a:txBody>
+                  <a:tcPr marL="91450" marR="91450" marT="45725" marB="45725"/>
+                </a:tc>
+                <a:tc>
+                  <a:txBody>
+                    <a:bodyPr/>
+                    <a:lstStyle/>
+                    <a:p>
+                      <a:pPr marL="0" marR="0" lvl="0" indent="0" algn="l" rtl="0">
+                        <a:spcBef>
+                          <a:spcPts val="0"/>
+                        </a:spcBef>
+                        <a:buSzPct val="25000"/>
+                        <a:buNone/>
+                      </a:pPr>
+                      <a:r>
+                        <a:rPr lang="en-US" sz="1800"/>
+                        <a:t>One-sample t-test; t; SE = s/sqrt(n-1)</a:t>
+                      </a:r>
+                    </a:p>
+                  </a:txBody>
+                  <a:tcPr marL="91450" marR="91450" marT="45725" marB="45725"/>
+                </a:tc>
+                <a:extLst>
+                  <a:ext uri="{0D108BD9-81ED-4DB2-BD59-A6C34878D82A}">
+                    <a16:rowId xmlns:a16="http://schemas.microsoft.com/office/drawing/2014/main" val="10002"/>
+                  </a:ext>
+                </a:extLst>
+              </a:tr>
+              <a:tr h="640025">
+                <a:tc>
+                  <a:txBody>
+                    <a:bodyPr/>
+                    <a:lstStyle/>
+                    <a:p>
+                      <a:pPr marL="0" marR="0" lvl="0" indent="0" algn="l" rtl="0">
+                        <a:spcBef>
+                          <a:spcPts val="0"/>
+                        </a:spcBef>
+                        <a:buSzPct val="25000"/>
+                        <a:buNone/>
+                      </a:pPr>
+                      <a:r>
+                        <a:rPr lang="en-US" sz="1800">
+                          <a:solidFill>
+                            <a:schemeClr val="dk1"/>
+                          </a:solidFill>
+                        </a:rPr>
+                        <a:t>Continuous; two samples</a:t>
+                      </a:r>
+                    </a:p>
+                  </a:txBody>
+                  <a:tcPr marL="91450" marR="91450" marT="45725" marB="45725"/>
+                </a:tc>
+                <a:tc>
+                  <a:txBody>
+                    <a:bodyPr/>
+                    <a:lstStyle/>
+                    <a:p>
+                      <a:pPr marL="0" marR="0" lvl="0" indent="0" algn="l" rtl="0">
+                        <a:spcBef>
+                          <a:spcPts val="0"/>
+                        </a:spcBef>
+                        <a:buSzPct val="25000"/>
+                        <a:buNone/>
+                      </a:pPr>
+                      <a:r>
+                        <a:rPr lang="en-US" sz="1800">
+                          <a:solidFill>
+                            <a:schemeClr val="dk1"/>
+                          </a:solidFill>
+                        </a:rPr>
+                        <a:t>Student’s t-test for difference of means</a:t>
+                      </a:r>
+                    </a:p>
+                  </a:txBody>
+                  <a:tcPr marL="91450" marR="91450" marT="45725" marB="45725"/>
+                </a:tc>
+                <a:extLst>
+                  <a:ext uri="{0D108BD9-81ED-4DB2-BD59-A6C34878D82A}">
+                    <a16:rowId xmlns:a16="http://schemas.microsoft.com/office/drawing/2014/main" val="10003"/>
+                  </a:ext>
+                </a:extLst>
+              </a:tr>
+              <a:tr h="370800">
+                <a:tc>
+                  <a:txBody>
+                    <a:bodyPr/>
+                    <a:lstStyle/>
+                    <a:p>
+                      <a:pPr marL="0" marR="0" lvl="0" indent="0" algn="l" rtl="0">
+                        <a:spcBef>
+                          <a:spcPts val="0"/>
+                        </a:spcBef>
+                        <a:buSzPct val="25000"/>
+                        <a:buNone/>
+                      </a:pPr>
+                      <a:r>
+                        <a:rPr lang="en-US" sz="1800">
+                          <a:solidFill>
+                            <a:schemeClr val="dk1"/>
+                          </a:solidFill>
+                        </a:rPr>
+                        <a:t>Continuous; paired samples </a:t>
+                      </a:r>
+                    </a:p>
+                  </a:txBody>
+                  <a:tcPr marL="91450" marR="91450" marT="45725" marB="45725"/>
+                </a:tc>
+                <a:tc>
+                  <a:txBody>
+                    <a:bodyPr/>
+                    <a:lstStyle/>
+                    <a:p>
+                      <a:pPr marL="0" marR="0" lvl="0" indent="0" algn="l" rtl="0">
+                        <a:spcBef>
+                          <a:spcPts val="0"/>
+                        </a:spcBef>
+                        <a:buSzPct val="25000"/>
+                        <a:buNone/>
+                      </a:pPr>
+                      <a:r>
+                        <a:rPr lang="en-US" sz="1800">
+                          <a:solidFill>
+                            <a:schemeClr val="dk1"/>
+                          </a:solidFill>
+                        </a:rPr>
+                        <a:t>Paired t-test</a:t>
+                      </a:r>
+                    </a:p>
+                  </a:txBody>
+                  <a:tcPr marL="91450" marR="91450" marT="45725" marB="45725"/>
+                </a:tc>
+                <a:extLst>
+                  <a:ext uri="{0D108BD9-81ED-4DB2-BD59-A6C34878D82A}">
+                    <a16:rowId xmlns:a16="http://schemas.microsoft.com/office/drawing/2014/main" val="10004"/>
+                  </a:ext>
+                </a:extLst>
+              </a:tr>
+              <a:tr h="640025">
+                <a:tc>
+                  <a:txBody>
+                    <a:bodyPr/>
+                    <a:lstStyle/>
+                    <a:p>
+                      <a:pPr marL="0" marR="0" lvl="0" indent="0" algn="l" rtl="0">
+                        <a:lnSpc>
+                          <a:spcPct val="100000"/>
+                        </a:lnSpc>
+                        <a:spcBef>
+                          <a:spcPts val="0"/>
+                        </a:spcBef>
+                        <a:spcAft>
+                          <a:spcPts val="0"/>
+                        </a:spcAft>
+                        <a:buClr>
+                          <a:schemeClr val="dk1"/>
+                        </a:buClr>
+                        <a:buSzPct val="25000"/>
+                        <a:buFont typeface="Gill Sans MT"/>
+                        <a:buNone/>
+                      </a:pPr>
+                      <a:r>
+                        <a:rPr lang="en-US" sz="1800">
+                          <a:solidFill>
+                            <a:schemeClr val="dk1"/>
+                          </a:solidFill>
+                        </a:rPr>
+                        <a:t>Continuous; more than two samples</a:t>
+                      </a:r>
+                    </a:p>
+                    <a:p>
+                      <a:pPr marL="0" marR="0" lvl="0" indent="0" algn="l" rtl="0">
+                        <a:spcBef>
+                          <a:spcPts val="0"/>
+                        </a:spcBef>
+                        <a:buSzPct val="25000"/>
+                        <a:buNone/>
+                      </a:pPr>
+                      <a:endParaRPr sz="1800">
+                        <a:solidFill>
+                          <a:schemeClr val="dk1"/>
+                        </a:solidFill>
+                      </a:endParaRPr>
+                    </a:p>
+                  </a:txBody>
+                  <a:tcPr marL="91450" marR="91450" marT="45725" marB="45725"/>
+                </a:tc>
+                <a:tc>
+                  <a:txBody>
+                    <a:bodyPr/>
+                    <a:lstStyle/>
+                    <a:p>
+                      <a:pPr marL="0" marR="0" lvl="0" indent="0" algn="l" rtl="0">
+                        <a:lnSpc>
+                          <a:spcPct val="100000"/>
+                        </a:lnSpc>
+                        <a:spcBef>
+                          <a:spcPts val="0"/>
+                        </a:spcBef>
+                        <a:spcAft>
+                          <a:spcPts val="0"/>
+                        </a:spcAft>
+                        <a:buClr>
+                          <a:schemeClr val="dk1"/>
+                        </a:buClr>
+                        <a:buSzPct val="25000"/>
+                        <a:buFont typeface="Gill Sans MT"/>
+                        <a:buNone/>
+                      </a:pPr>
+                      <a:r>
+                        <a:rPr lang="en-US" sz="1800">
+                          <a:solidFill>
+                            <a:schemeClr val="dk1"/>
+                          </a:solidFill>
+                        </a:rPr>
+                        <a:t>ANOVA</a:t>
+                      </a:r>
+                    </a:p>
+                    <a:p>
+                      <a:pPr marL="0" marR="0" lvl="0" indent="0" algn="l" rtl="0">
+                        <a:spcBef>
+                          <a:spcPts val="0"/>
+                        </a:spcBef>
+                        <a:buSzPct val="25000"/>
+                        <a:buNone/>
+                      </a:pPr>
+                      <a:endParaRPr sz="1800">
+                        <a:solidFill>
+                          <a:schemeClr val="dk1"/>
+                        </a:solidFill>
+                      </a:endParaRPr>
+                    </a:p>
+                  </a:txBody>
+                  <a:tcPr marL="91450" marR="91450" marT="45725" marB="45725"/>
+                </a:tc>
+                <a:extLst>
+                  <a:ext uri="{0D108BD9-81ED-4DB2-BD59-A6C34878D82A}">
+                    <a16:rowId xmlns:a16="http://schemas.microsoft.com/office/drawing/2014/main" val="10005"/>
+                  </a:ext>
+                </a:extLst>
+              </a:tr>
+              <a:tr h="370800">
+                <a:tc>
+                  <a:txBody>
+                    <a:bodyPr/>
+                    <a:lstStyle/>
+                    <a:p>
+                      <a:pPr marL="0" marR="0" lvl="0" indent="0" algn="l" rtl="0">
+                        <a:spcBef>
+                          <a:spcPts val="0"/>
+                        </a:spcBef>
+                        <a:buSzPct val="25000"/>
+                        <a:buNone/>
+                      </a:pPr>
+                      <a:r>
+                        <a:rPr lang="en-US" sz="1800">
+                          <a:solidFill>
+                            <a:schemeClr val="dk1"/>
+                          </a:solidFill>
+                        </a:rPr>
+                        <a:t>Discrete; two variables; counts</a:t>
+                      </a:r>
+                    </a:p>
+                  </a:txBody>
+                  <a:tcPr marL="91450" marR="91450" marT="45725" marB="45725"/>
+                </a:tc>
+                <a:tc>
+                  <a:txBody>
+                    <a:bodyPr/>
+                    <a:lstStyle/>
+                    <a:p>
+                      <a:pPr marL="0" marR="0" lvl="0" indent="0" algn="l" rtl="0">
+                        <a:spcBef>
+                          <a:spcPts val="0"/>
+                        </a:spcBef>
+                        <a:buSzPct val="25000"/>
+                        <a:buNone/>
+                      </a:pPr>
+                      <a:r>
+                        <a:rPr lang="en-US" sz="1800">
+                          <a:solidFill>
+                            <a:schemeClr val="dk1"/>
+                          </a:solidFill>
+                        </a:rPr>
+                        <a:t>Chi-square, goodness of fit</a:t>
+                      </a:r>
+                    </a:p>
+                  </a:txBody>
+                  <a:tcPr marL="91450" marR="91450" marT="45725" marB="45725"/>
+                </a:tc>
+                <a:extLst>
+                  <a:ext uri="{0D108BD9-81ED-4DB2-BD59-A6C34878D82A}">
+                    <a16:rowId xmlns:a16="http://schemas.microsoft.com/office/drawing/2014/main" val="10006"/>
+                  </a:ext>
+                </a:extLst>
+              </a:tr>
+              <a:tr h="370800">
+                <a:tc>
+                  <a:txBody>
+                    <a:bodyPr/>
+                    <a:lstStyle/>
+                    <a:p>
+                      <a:pPr marL="0" marR="0" lvl="0" indent="0" algn="l" rtl="0">
+                        <a:spcBef>
+                          <a:spcPts val="0"/>
+                        </a:spcBef>
+                        <a:buSzPct val="25000"/>
+                        <a:buNone/>
+                      </a:pPr>
+                      <a:r>
+                        <a:rPr lang="en-US" sz="1800">
+                          <a:solidFill>
+                            <a:schemeClr val="dk1"/>
+                          </a:solidFill>
+                        </a:rPr>
+                        <a:t>Continuous; two or more variables</a:t>
+                      </a:r>
+                    </a:p>
+                  </a:txBody>
+                  <a:tcPr marL="91450" marR="91450" marT="45725" marB="45725"/>
+                </a:tc>
+                <a:tc>
+                  <a:txBody>
+                    <a:bodyPr/>
+                    <a:lstStyle/>
+                    <a:p>
+                      <a:pPr marL="0" marR="0" lvl="0" indent="0" algn="l" rtl="0">
+                        <a:spcBef>
+                          <a:spcPts val="0"/>
+                        </a:spcBef>
+                        <a:buSzPct val="25000"/>
+                        <a:buNone/>
+                      </a:pPr>
+                      <a:r>
+                        <a:rPr lang="en-US" sz="1800">
+                          <a:solidFill>
+                            <a:schemeClr val="dk1"/>
+                          </a:solidFill>
+                        </a:rPr>
+                        <a:t>Correlation</a:t>
+                      </a:r>
+                    </a:p>
+                  </a:txBody>
+                  <a:tcPr marL="91450" marR="91450" marT="45725" marB="45725"/>
+                </a:tc>
+                <a:extLst>
+                  <a:ext uri="{0D108BD9-81ED-4DB2-BD59-A6C34878D82A}">
+                    <a16:rowId xmlns:a16="http://schemas.microsoft.com/office/drawing/2014/main" val="10007"/>
+                  </a:ext>
+                </a:extLst>
+              </a:tr>
+              <a:tr h="370800">
+                <a:tc>
+                  <a:txBody>
+                    <a:bodyPr/>
+                    <a:lstStyle/>
+                    <a:p>
+                      <a:pPr marL="0" marR="0" lvl="0" indent="0" algn="l" rtl="0">
+                        <a:spcBef>
+                          <a:spcPts val="0"/>
+                        </a:spcBef>
+                        <a:buSzPct val="25000"/>
+                        <a:buNone/>
+                      </a:pPr>
+                      <a:r>
+                        <a:rPr lang="en-US" sz="1800">
+                          <a:solidFill>
+                            <a:srgbClr val="A5A5A5"/>
+                          </a:solidFill>
+                        </a:rPr>
+                        <a:t>Continuous; two or more variables</a:t>
+                      </a:r>
+                    </a:p>
+                  </a:txBody>
+                  <a:tcPr marL="91450" marR="91450" marT="45725" marB="45725"/>
+                </a:tc>
+                <a:tc>
+                  <a:txBody>
+                    <a:bodyPr/>
+                    <a:lstStyle/>
+                    <a:p>
+                      <a:pPr marL="0" marR="0" lvl="0" indent="0" algn="l" rtl="0">
+                        <a:spcBef>
+                          <a:spcPts val="0"/>
+                        </a:spcBef>
+                        <a:buSzPct val="25000"/>
+                        <a:buNone/>
+                      </a:pPr>
+                      <a:r>
+                        <a:rPr lang="en-US" sz="1800">
+                          <a:solidFill>
+                            <a:srgbClr val="A5A5A5"/>
+                          </a:solidFill>
+                        </a:rPr>
+                        <a:t>Regression</a:t>
+                      </a:r>
+                    </a:p>
+                  </a:txBody>
+                  <a:tcPr marL="91450" marR="91450" marT="45725" marB="45725"/>
+                </a:tc>
+                <a:extLst>
+                  <a:ext uri="{0D108BD9-81ED-4DB2-BD59-A6C34878D82A}">
+                    <a16:rowId xmlns:a16="http://schemas.microsoft.com/office/drawing/2014/main" val="10008"/>
+                  </a:ext>
+                </a:extLst>
+              </a:tr>
+            </a:tbl>
+          </a:graphicData>
+        </a:graphic>
+      </p:graphicFrame>
+      <p:sp>
+        <p:nvSpPr>
+          <p:cNvPr id="112" name="Shape 112"/>
+          <p:cNvSpPr/>
+          <p:nvPr/>
+        </p:nvSpPr>
+        <p:spPr>
+          <a:xfrm>
+            <a:off x="470610" y="5029200"/>
+            <a:ext cx="8229600" cy="381000"/>
+          </a:xfrm>
+          <a:prstGeom prst="rect">
+            <a:avLst/>
+          </a:prstGeom>
+          <a:noFill/>
+          <a:ln w="38100" cap="flat" cmpd="sng">
+            <a:solidFill>
+              <a:srgbClr val="FF0000"/>
+            </a:solidFill>
+            <a:prstDash val="solid"/>
+            <a:round/>
+            <a:headEnd type="none" w="med" len="med"/>
+            <a:tailEnd type="none" w="med" len="med"/>
+          </a:ln>
+        </p:spPr>
+        <p:txBody>
+          <a:bodyPr lIns="91425" tIns="45700" rIns="91425" bIns="45700" anchor="ctr" anchorCtr="0">
+            <a:noAutofit/>
+          </a:bodyPr>
+          <a:lstStyle/>
+          <a:p>
+            <a:pPr marL="0" marR="0" lvl="0" indent="0" algn="ctr" rtl="0">
+              <a:spcBef>
+                <a:spcPts val="0"/>
+              </a:spcBef>
+              <a:buNone/>
+            </a:pPr>
+            <a:endParaRPr sz="1800">
+              <a:solidFill>
+                <a:schemeClr val="lt1"/>
+              </a:solidFill>
+              <a:latin typeface="Gill Sans MT"/>
+              <a:ea typeface="Gill Sans MT"/>
+              <a:cs typeface="Gill Sans MT"/>
+              <a:sym typeface="Gill Sans MT"/>
+            </a:endParaRPr>
+          </a:p>
+        </p:txBody>
+      </p:sp>
+      <p:cxnSp>
+        <p:nvCxnSpPr>
+          <p:cNvPr id="113" name="Shape 113"/>
+          <p:cNvCxnSpPr/>
+          <p:nvPr/>
+        </p:nvCxnSpPr>
+        <p:spPr>
+          <a:xfrm rot="10800000">
+            <a:off x="5824181" y="5410200"/>
+            <a:ext cx="805218" cy="704163"/>
+          </a:xfrm>
+          <a:prstGeom prst="straightConnector1">
+            <a:avLst/>
+          </a:prstGeom>
+          <a:noFill/>
+          <a:ln w="38100" cap="flat" cmpd="sng">
+            <a:solidFill>
+              <a:srgbClr val="FF0000"/>
+            </a:solidFill>
+            <a:prstDash val="solid"/>
+            <a:round/>
+            <a:headEnd type="none" w="med" len="med"/>
+            <a:tailEnd type="stealth" w="lg" len="lg"/>
+          </a:ln>
+        </p:spPr>
+      </p:cxnSp>
+      <p:sp>
+        <p:nvSpPr>
+          <p:cNvPr id="114" name="Shape 114"/>
+          <p:cNvSpPr txBox="1"/>
+          <p:nvPr/>
+        </p:nvSpPr>
+        <p:spPr>
+          <a:xfrm>
+            <a:off x="5801435" y="5943598"/>
+            <a:ext cx="2898775" cy="646331"/>
+          </a:xfrm>
+          <a:prstGeom prst="rect">
+            <a:avLst/>
+          </a:prstGeom>
+          <a:noFill/>
+          <a:ln>
+            <a:noFill/>
+          </a:ln>
+        </p:spPr>
+        <p:txBody>
+          <a:bodyPr lIns="91425" tIns="45700" rIns="91425" bIns="45700" anchor="t" anchorCtr="0">
+            <a:noAutofit/>
+          </a:bodyPr>
+          <a:lstStyle/>
+          <a:p>
+            <a:pPr marL="0" marR="0" lvl="0" indent="0" algn="l" rtl="0">
+              <a:spcBef>
+                <a:spcPts val="0"/>
+              </a:spcBef>
+              <a:buSzPct val="25000"/>
+              <a:buNone/>
+            </a:pPr>
+            <a:r>
+              <a:rPr lang="en-US" sz="3600" dirty="0">
+                <a:solidFill>
+                  <a:srgbClr val="FF0000"/>
+                </a:solidFill>
+                <a:latin typeface="Gill Sans MT"/>
+                <a:ea typeface="Gill Sans MT"/>
+                <a:cs typeface="Gill Sans MT"/>
+                <a:sym typeface="Gill Sans MT"/>
+              </a:rPr>
+              <a:t>You are here</a:t>
+            </a:r>
+          </a:p>
+        </p:txBody>
+      </p:sp>
+    </p:spTree>
+    <p:extLst>
+      <p:ext uri="{BB962C8B-B14F-4D97-AF65-F5344CB8AC3E}">
+        <p14:creationId xmlns:p14="http://schemas.microsoft.com/office/powerpoint/2010/main" val="1464683829"/>
+      </p:ext>
+    </p:extLst>
+  </p:cSld>
+  <p:clrMapOvr>
+    <a:masterClrMapping/>
+  </p:clrMapOvr>
+</p:sld>
+</file>
+
+<file path=ppt/slides/slide30.xml><?xml version="1.0" encoding="utf-8"?>
 <p:sld xmlns:a="http://schemas.openxmlformats.org/drawingml/2006/main" xmlns:r="http://schemas.openxmlformats.org/officeDocument/2006/relationships" xmlns:p="http://schemas.openxmlformats.org/presentationml/2006/main">
   <p:cSld>
     <p:spTree>
@@ -32160,947 +33519,6 @@
         </p:txBody>
       </p:sp>
     </p:spTree>
-  </p:cSld>
-  <p:clrMapOvr>
-    <a:masterClrMapping/>
-  </p:clrMapOvr>
-</p:sld>
-</file>
-
-<file path=ppt/slides/slide3.xml><?xml version="1.0" encoding="utf-8"?>
-<p:sld xmlns:a="http://schemas.openxmlformats.org/drawingml/2006/main" xmlns:r="http://schemas.openxmlformats.org/officeDocument/2006/relationships" xmlns:p="http://schemas.openxmlformats.org/presentationml/2006/main">
-  <p:cSld>
-    <p:spTree>
-      <p:nvGrpSpPr>
-        <p:cNvPr id="1" name="Shape 106"/>
-        <p:cNvGrpSpPr/>
-        <p:nvPr/>
-      </p:nvGrpSpPr>
-      <p:grpSpPr>
-        <a:xfrm>
-          <a:off x="0" y="0"/>
-          <a:ext cx="0" cy="0"/>
-          <a:chOff x="0" y="0"/>
-          <a:chExt cx="0" cy="0"/>
-        </a:xfrm>
-      </p:grpSpPr>
-      <p:sp>
-        <p:nvSpPr>
-          <p:cNvPr id="107" name="Shape 107" descr="http://upload.wikimedia.org/wikipedia/commons/c/c4/2-Dice-Icon.svg"/>
-          <p:cNvSpPr/>
-          <p:nvPr/>
-        </p:nvSpPr>
-        <p:spPr>
-          <a:xfrm>
-            <a:off x="155575" y="-144463"/>
-            <a:ext cx="304799" cy="304801"/>
-          </a:xfrm>
-          <a:prstGeom prst="rect">
-            <a:avLst/>
-          </a:prstGeom>
-          <a:noFill/>
-          <a:ln>
-            <a:noFill/>
-          </a:ln>
-        </p:spPr>
-        <p:txBody>
-          <a:bodyPr lIns="91425" tIns="45700" rIns="91425" bIns="45700" anchor="t" anchorCtr="0">
-            <a:noAutofit/>
-          </a:bodyPr>
-          <a:lstStyle/>
-          <a:p>
-            <a:pPr marL="0" marR="0" lvl="0" indent="0" algn="l" rtl="0">
-              <a:spcBef>
-                <a:spcPts val="0"/>
-              </a:spcBef>
-              <a:buNone/>
-            </a:pPr>
-            <a:endParaRPr sz="1800">
-              <a:solidFill>
-                <a:schemeClr val="dk1"/>
-              </a:solidFill>
-              <a:latin typeface="Gill Sans MT"/>
-              <a:ea typeface="Gill Sans MT"/>
-              <a:cs typeface="Gill Sans MT"/>
-              <a:sym typeface="Gill Sans MT"/>
-            </a:endParaRPr>
-          </a:p>
-        </p:txBody>
-      </p:sp>
-      <p:sp>
-        <p:nvSpPr>
-          <p:cNvPr id="108" name="Shape 108" descr="http://upload.wikimedia.org/wikipedia/commons/c/c4/2-Dice-Icon.svg"/>
-          <p:cNvSpPr/>
-          <p:nvPr/>
-        </p:nvSpPr>
-        <p:spPr>
-          <a:xfrm>
-            <a:off x="307975" y="7937"/>
-            <a:ext cx="304799" cy="304801"/>
-          </a:xfrm>
-          <a:prstGeom prst="rect">
-            <a:avLst/>
-          </a:prstGeom>
-          <a:noFill/>
-          <a:ln>
-            <a:noFill/>
-          </a:ln>
-        </p:spPr>
-        <p:txBody>
-          <a:bodyPr lIns="91425" tIns="45700" rIns="91425" bIns="45700" anchor="t" anchorCtr="0">
-            <a:noAutofit/>
-          </a:bodyPr>
-          <a:lstStyle/>
-          <a:p>
-            <a:pPr marL="0" marR="0" lvl="0" indent="0" algn="l" rtl="0">
-              <a:spcBef>
-                <a:spcPts val="0"/>
-              </a:spcBef>
-              <a:buNone/>
-            </a:pPr>
-            <a:endParaRPr sz="1800">
-              <a:solidFill>
-                <a:schemeClr val="dk1"/>
-              </a:solidFill>
-              <a:latin typeface="Gill Sans MT"/>
-              <a:ea typeface="Gill Sans MT"/>
-              <a:cs typeface="Gill Sans MT"/>
-              <a:sym typeface="Gill Sans MT"/>
-            </a:endParaRPr>
-          </a:p>
-        </p:txBody>
-      </p:sp>
-      <p:sp>
-        <p:nvSpPr>
-          <p:cNvPr id="109" name="Shape 109" descr="http://upload.wikimedia.org/wikipedia/commons/c/c4/2-Dice-Icon.svg"/>
-          <p:cNvSpPr/>
-          <p:nvPr/>
-        </p:nvSpPr>
-        <p:spPr>
-          <a:xfrm>
-            <a:off x="460375" y="160336"/>
-            <a:ext cx="304799" cy="304801"/>
-          </a:xfrm>
-          <a:prstGeom prst="rect">
-            <a:avLst/>
-          </a:prstGeom>
-          <a:noFill/>
-          <a:ln>
-            <a:noFill/>
-          </a:ln>
-        </p:spPr>
-        <p:txBody>
-          <a:bodyPr lIns="91425" tIns="45700" rIns="91425" bIns="45700" anchor="t" anchorCtr="0">
-            <a:noAutofit/>
-          </a:bodyPr>
-          <a:lstStyle/>
-          <a:p>
-            <a:pPr marL="0" marR="0" lvl="0" indent="0" algn="l" rtl="0">
-              <a:spcBef>
-                <a:spcPts val="0"/>
-              </a:spcBef>
-              <a:buNone/>
-            </a:pPr>
-            <a:endParaRPr sz="1800">
-              <a:solidFill>
-                <a:schemeClr val="dk1"/>
-              </a:solidFill>
-              <a:latin typeface="Gill Sans MT"/>
-              <a:ea typeface="Gill Sans MT"/>
-              <a:cs typeface="Gill Sans MT"/>
-              <a:sym typeface="Gill Sans MT"/>
-            </a:endParaRPr>
-          </a:p>
-        </p:txBody>
-      </p:sp>
-      <p:sp>
-        <p:nvSpPr>
-          <p:cNvPr id="110" name="Shape 110"/>
-          <p:cNvSpPr txBox="1">
-            <a:spLocks noGrp="1"/>
-          </p:cNvSpPr>
-          <p:nvPr>
-            <p:ph type="title"/>
-          </p:nvPr>
-        </p:nvSpPr>
-        <p:spPr>
-          <a:xfrm>
-            <a:off x="457200" y="274637"/>
-            <a:ext cx="8229600" cy="1143000"/>
-          </a:xfrm>
-          <a:prstGeom prst="rect">
-            <a:avLst/>
-          </a:prstGeom>
-          <a:noFill/>
-          <a:ln>
-            <a:noFill/>
-          </a:ln>
-        </p:spPr>
-        <p:txBody>
-          <a:bodyPr lIns="91425" tIns="45700" rIns="91425" bIns="45700" anchor="ctr" anchorCtr="0">
-            <a:noAutofit/>
-          </a:bodyPr>
-          <a:lstStyle/>
-          <a:p>
-            <a:pPr marL="0" marR="0" lvl="0" indent="0" algn="ctr" rtl="0">
-              <a:spcBef>
-                <a:spcPts val="0"/>
-              </a:spcBef>
-              <a:buClr>
-                <a:schemeClr val="dk1"/>
-              </a:buClr>
-              <a:buSzPct val="25000"/>
-              <a:buFont typeface="Gill Sans MT"/>
-              <a:buNone/>
-            </a:pPr>
-            <a:endParaRPr sz="4400" b="0" i="0" u="none" strike="noStrike" cap="none">
-              <a:solidFill>
-                <a:schemeClr val="dk1"/>
-              </a:solidFill>
-              <a:latin typeface="Gill Sans MT"/>
-              <a:ea typeface="Gill Sans MT"/>
-              <a:cs typeface="Gill Sans MT"/>
-              <a:sym typeface="Gill Sans MT"/>
-            </a:endParaRPr>
-          </a:p>
-        </p:txBody>
-      </p:sp>
-      <p:graphicFrame>
-        <p:nvGraphicFramePr>
-          <p:cNvPr id="111" name="Shape 111"/>
-          <p:cNvGraphicFramePr/>
-          <p:nvPr/>
-        </p:nvGraphicFramePr>
-        <p:xfrm>
-          <a:off x="457200" y="1371600"/>
-          <a:ext cx="8194700" cy="4414295"/>
-        </p:xfrm>
-        <a:graphic>
-          <a:graphicData uri="http://schemas.openxmlformats.org/drawingml/2006/table">
-            <a:tbl>
-              <a:tblPr firstRow="1" bandRow="1">
-                <a:noFill/>
-                <a:tableStyleId>{202CED45-07E1-44D6-B890-3F38FA185D91}</a:tableStyleId>
-              </a:tblPr>
-              <a:tblGrid>
-                <a:gridCol w="4097350">
-                  <a:extLst>
-                    <a:ext uri="{9D8B030D-6E8A-4147-A177-3AD203B41FA5}">
-                      <a16:colId xmlns:a16="http://schemas.microsoft.com/office/drawing/2014/main" val="20000"/>
-                    </a:ext>
-                  </a:extLst>
-                </a:gridCol>
-                <a:gridCol w="4097350">
-                  <a:extLst>
-                    <a:ext uri="{9D8B030D-6E8A-4147-A177-3AD203B41FA5}">
-                      <a16:colId xmlns:a16="http://schemas.microsoft.com/office/drawing/2014/main" val="20001"/>
-                    </a:ext>
-                  </a:extLst>
-                </a:gridCol>
-              </a:tblGrid>
-              <a:tr h="370800">
-                <a:tc>
-                  <a:txBody>
-                    <a:bodyPr/>
-                    <a:lstStyle/>
-                    <a:p>
-                      <a:pPr marL="0" marR="0" lvl="0" indent="0" algn="l" rtl="0">
-                        <a:spcBef>
-                          <a:spcPts val="0"/>
-                        </a:spcBef>
-                        <a:buSzPct val="25000"/>
-                        <a:buNone/>
-                      </a:pPr>
-                      <a:r>
-                        <a:rPr lang="en-US" sz="1800" u="none" strike="noStrike" cap="none"/>
-                        <a:t>Variablesc</a:t>
-                      </a:r>
-                    </a:p>
-                  </a:txBody>
-                  <a:tcPr marL="91450" marR="91450" marT="45725" marB="45725"/>
-                </a:tc>
-                <a:tc>
-                  <a:txBody>
-                    <a:bodyPr/>
-                    <a:lstStyle/>
-                    <a:p>
-                      <a:pPr marL="0" marR="0" lvl="0" indent="0" algn="l" rtl="0">
-                        <a:spcBef>
-                          <a:spcPts val="0"/>
-                        </a:spcBef>
-                        <a:buSzPct val="25000"/>
-                        <a:buNone/>
-                      </a:pPr>
-                      <a:r>
-                        <a:rPr lang="en-US" sz="1800"/>
-                        <a:t>Tests; test statistics; SE</a:t>
-                      </a:r>
-                    </a:p>
-                  </a:txBody>
-                  <a:tcPr marL="91450" marR="91450" marT="45725" marB="45725"/>
-                </a:tc>
-                <a:extLst>
-                  <a:ext uri="{0D108BD9-81ED-4DB2-BD59-A6C34878D82A}">
-                    <a16:rowId xmlns:a16="http://schemas.microsoft.com/office/drawing/2014/main" val="10000"/>
-                  </a:ext>
-                </a:extLst>
-              </a:tr>
-              <a:tr h="640025">
-                <a:tc>
-                  <a:txBody>
-                    <a:bodyPr/>
-                    <a:lstStyle/>
-                    <a:p>
-                      <a:pPr marL="0" marR="0" lvl="0" indent="0" algn="l" rtl="0">
-                        <a:spcBef>
-                          <a:spcPts val="0"/>
-                        </a:spcBef>
-                        <a:buSzPct val="25000"/>
-                        <a:buNone/>
-                      </a:pPr>
-                      <a:r>
-                        <a:rPr lang="en-US" sz="1800"/>
-                        <a:t>Continuous; one sample: </a:t>
-                      </a:r>
-                      <a:r>
-                        <a:rPr lang="en-US" sz="1800">
-                          <a:latin typeface="Noto Sans Symbols"/>
-                          <a:ea typeface="Noto Sans Symbols"/>
-                          <a:cs typeface="Noto Sans Symbols"/>
-                          <a:sym typeface="Noto Sans Symbols"/>
-                        </a:rPr>
-                        <a:t>σ</a:t>
-                      </a:r>
-                      <a:r>
-                        <a:rPr lang="en-US" sz="1800"/>
-                        <a:t> known and n &gt; 30 OR data is a proportion</a:t>
-                      </a:r>
-                    </a:p>
-                  </a:txBody>
-                  <a:tcPr marL="91450" marR="91450" marT="45725" marB="45725"/>
-                </a:tc>
-                <a:tc>
-                  <a:txBody>
-                    <a:bodyPr/>
-                    <a:lstStyle/>
-                    <a:p>
-                      <a:pPr marL="0" marR="0" lvl="0" indent="0" algn="l" rtl="0">
-                        <a:spcBef>
-                          <a:spcPts val="0"/>
-                        </a:spcBef>
-                        <a:buSzPct val="25000"/>
-                        <a:buNone/>
-                      </a:pPr>
-                      <a:r>
-                        <a:rPr lang="en-US" sz="1800"/>
-                        <a:t>One-sample z-test; Z;</a:t>
-                      </a:r>
-                    </a:p>
-                    <a:p>
-                      <a:pPr marL="0" marR="0" lvl="0" indent="0" algn="l" rtl="0">
-                        <a:spcBef>
-                          <a:spcPts val="0"/>
-                        </a:spcBef>
-                        <a:buSzPct val="25000"/>
-                        <a:buNone/>
-                      </a:pPr>
-                      <a:r>
-                        <a:rPr lang="en-US" sz="1800"/>
-                        <a:t>SE = </a:t>
-                      </a:r>
-                      <a:r>
-                        <a:rPr lang="en-US" sz="1800">
-                          <a:latin typeface="Noto Sans Symbols"/>
-                          <a:ea typeface="Noto Sans Symbols"/>
-                          <a:cs typeface="Noto Sans Symbols"/>
-                          <a:sym typeface="Noto Sans Symbols"/>
-                        </a:rPr>
-                        <a:t>σ</a:t>
-                      </a:r>
-                      <a:r>
-                        <a:rPr lang="en-US" sz="1800"/>
-                        <a:t>/sqrt(n); OR Diff. of proportions</a:t>
-                      </a:r>
-                    </a:p>
-                  </a:txBody>
-                  <a:tcPr marL="91450" marR="91450" marT="45725" marB="45725"/>
-                </a:tc>
-                <a:extLst>
-                  <a:ext uri="{0D108BD9-81ED-4DB2-BD59-A6C34878D82A}">
-                    <a16:rowId xmlns:a16="http://schemas.microsoft.com/office/drawing/2014/main" val="10001"/>
-                  </a:ext>
-                </a:extLst>
-              </a:tr>
-              <a:tr h="640025">
-                <a:tc>
-                  <a:txBody>
-                    <a:bodyPr/>
-                    <a:lstStyle/>
-                    <a:p>
-                      <a:pPr marL="0" marR="0" lvl="0" indent="0" algn="l" rtl="0">
-                        <a:spcBef>
-                          <a:spcPts val="0"/>
-                        </a:spcBef>
-                        <a:buSzPct val="25000"/>
-                        <a:buNone/>
-                      </a:pPr>
-                      <a:r>
-                        <a:rPr lang="en-US" sz="1800"/>
-                        <a:t>Continuous; one sample: </a:t>
-                      </a:r>
-                      <a:r>
-                        <a:rPr lang="en-US" sz="1800">
-                          <a:latin typeface="Noto Sans Symbols"/>
-                          <a:ea typeface="Noto Sans Symbols"/>
-                          <a:cs typeface="Noto Sans Symbols"/>
-                          <a:sym typeface="Noto Sans Symbols"/>
-                        </a:rPr>
-                        <a:t>σ</a:t>
-                      </a:r>
-                      <a:r>
-                        <a:rPr lang="en-US" sz="1800"/>
-                        <a:t> unknown or n &lt; 30</a:t>
-                      </a:r>
-                    </a:p>
-                  </a:txBody>
-                  <a:tcPr marL="91450" marR="91450" marT="45725" marB="45725"/>
-                </a:tc>
-                <a:tc>
-                  <a:txBody>
-                    <a:bodyPr/>
-                    <a:lstStyle/>
-                    <a:p>
-                      <a:pPr marL="0" marR="0" lvl="0" indent="0" algn="l" rtl="0">
-                        <a:spcBef>
-                          <a:spcPts val="0"/>
-                        </a:spcBef>
-                        <a:buSzPct val="25000"/>
-                        <a:buNone/>
-                      </a:pPr>
-                      <a:r>
-                        <a:rPr lang="en-US" sz="1800"/>
-                        <a:t>One-sample t-test; t; SE = s/sqrt(n-1)</a:t>
-                      </a:r>
-                    </a:p>
-                  </a:txBody>
-                  <a:tcPr marL="91450" marR="91450" marT="45725" marB="45725"/>
-                </a:tc>
-                <a:extLst>
-                  <a:ext uri="{0D108BD9-81ED-4DB2-BD59-A6C34878D82A}">
-                    <a16:rowId xmlns:a16="http://schemas.microsoft.com/office/drawing/2014/main" val="10002"/>
-                  </a:ext>
-                </a:extLst>
-              </a:tr>
-              <a:tr h="640025">
-                <a:tc>
-                  <a:txBody>
-                    <a:bodyPr/>
-                    <a:lstStyle/>
-                    <a:p>
-                      <a:pPr marL="0" marR="0" lvl="0" indent="0" algn="l" rtl="0">
-                        <a:spcBef>
-                          <a:spcPts val="0"/>
-                        </a:spcBef>
-                        <a:buSzPct val="25000"/>
-                        <a:buNone/>
-                      </a:pPr>
-                      <a:r>
-                        <a:rPr lang="en-US" sz="1800">
-                          <a:solidFill>
-                            <a:schemeClr val="dk1"/>
-                          </a:solidFill>
-                        </a:rPr>
-                        <a:t>Continuous; two samples</a:t>
-                      </a:r>
-                    </a:p>
-                  </a:txBody>
-                  <a:tcPr marL="91450" marR="91450" marT="45725" marB="45725"/>
-                </a:tc>
-                <a:tc>
-                  <a:txBody>
-                    <a:bodyPr/>
-                    <a:lstStyle/>
-                    <a:p>
-                      <a:pPr marL="0" marR="0" lvl="0" indent="0" algn="l" rtl="0">
-                        <a:spcBef>
-                          <a:spcPts val="0"/>
-                        </a:spcBef>
-                        <a:buSzPct val="25000"/>
-                        <a:buNone/>
-                      </a:pPr>
-                      <a:r>
-                        <a:rPr lang="en-US" sz="1800">
-                          <a:solidFill>
-                            <a:schemeClr val="dk1"/>
-                          </a:solidFill>
-                        </a:rPr>
-                        <a:t>Student’s t-test for difference of means</a:t>
-                      </a:r>
-                    </a:p>
-                  </a:txBody>
-                  <a:tcPr marL="91450" marR="91450" marT="45725" marB="45725"/>
-                </a:tc>
-                <a:extLst>
-                  <a:ext uri="{0D108BD9-81ED-4DB2-BD59-A6C34878D82A}">
-                    <a16:rowId xmlns:a16="http://schemas.microsoft.com/office/drawing/2014/main" val="10003"/>
-                  </a:ext>
-                </a:extLst>
-              </a:tr>
-              <a:tr h="370800">
-                <a:tc>
-                  <a:txBody>
-                    <a:bodyPr/>
-                    <a:lstStyle/>
-                    <a:p>
-                      <a:pPr marL="0" marR="0" lvl="0" indent="0" algn="l" rtl="0">
-                        <a:spcBef>
-                          <a:spcPts val="0"/>
-                        </a:spcBef>
-                        <a:buSzPct val="25000"/>
-                        <a:buNone/>
-                      </a:pPr>
-                      <a:r>
-                        <a:rPr lang="en-US" sz="1800">
-                          <a:solidFill>
-                            <a:schemeClr val="dk1"/>
-                          </a:solidFill>
-                        </a:rPr>
-                        <a:t>Continuous; paired samples </a:t>
-                      </a:r>
-                    </a:p>
-                  </a:txBody>
-                  <a:tcPr marL="91450" marR="91450" marT="45725" marB="45725"/>
-                </a:tc>
-                <a:tc>
-                  <a:txBody>
-                    <a:bodyPr/>
-                    <a:lstStyle/>
-                    <a:p>
-                      <a:pPr marL="0" marR="0" lvl="0" indent="0" algn="l" rtl="0">
-                        <a:spcBef>
-                          <a:spcPts val="0"/>
-                        </a:spcBef>
-                        <a:buSzPct val="25000"/>
-                        <a:buNone/>
-                      </a:pPr>
-                      <a:r>
-                        <a:rPr lang="en-US" sz="1800">
-                          <a:solidFill>
-                            <a:schemeClr val="dk1"/>
-                          </a:solidFill>
-                        </a:rPr>
-                        <a:t>Paired t-test</a:t>
-                      </a:r>
-                    </a:p>
-                  </a:txBody>
-                  <a:tcPr marL="91450" marR="91450" marT="45725" marB="45725"/>
-                </a:tc>
-                <a:extLst>
-                  <a:ext uri="{0D108BD9-81ED-4DB2-BD59-A6C34878D82A}">
-                    <a16:rowId xmlns:a16="http://schemas.microsoft.com/office/drawing/2014/main" val="10004"/>
-                  </a:ext>
-                </a:extLst>
-              </a:tr>
-              <a:tr h="640025">
-                <a:tc>
-                  <a:txBody>
-                    <a:bodyPr/>
-                    <a:lstStyle/>
-                    <a:p>
-                      <a:pPr marL="0" marR="0" lvl="0" indent="0" algn="l" rtl="0">
-                        <a:lnSpc>
-                          <a:spcPct val="100000"/>
-                        </a:lnSpc>
-                        <a:spcBef>
-                          <a:spcPts val="0"/>
-                        </a:spcBef>
-                        <a:spcAft>
-                          <a:spcPts val="0"/>
-                        </a:spcAft>
-                        <a:buClr>
-                          <a:schemeClr val="dk1"/>
-                        </a:buClr>
-                        <a:buSzPct val="25000"/>
-                        <a:buFont typeface="Gill Sans MT"/>
-                        <a:buNone/>
-                      </a:pPr>
-                      <a:r>
-                        <a:rPr lang="en-US" sz="1800">
-                          <a:solidFill>
-                            <a:schemeClr val="dk1"/>
-                          </a:solidFill>
-                        </a:rPr>
-                        <a:t>Continuous; more than two samples</a:t>
-                      </a:r>
-                    </a:p>
-                    <a:p>
-                      <a:pPr marL="0" marR="0" lvl="0" indent="0" algn="l" rtl="0">
-                        <a:spcBef>
-                          <a:spcPts val="0"/>
-                        </a:spcBef>
-                        <a:buSzPct val="25000"/>
-                        <a:buNone/>
-                      </a:pPr>
-                      <a:endParaRPr sz="1800">
-                        <a:solidFill>
-                          <a:schemeClr val="dk1"/>
-                        </a:solidFill>
-                      </a:endParaRPr>
-                    </a:p>
-                  </a:txBody>
-                  <a:tcPr marL="91450" marR="91450" marT="45725" marB="45725"/>
-                </a:tc>
-                <a:tc>
-                  <a:txBody>
-                    <a:bodyPr/>
-                    <a:lstStyle/>
-                    <a:p>
-                      <a:pPr marL="0" marR="0" lvl="0" indent="0" algn="l" rtl="0">
-                        <a:lnSpc>
-                          <a:spcPct val="100000"/>
-                        </a:lnSpc>
-                        <a:spcBef>
-                          <a:spcPts val="0"/>
-                        </a:spcBef>
-                        <a:spcAft>
-                          <a:spcPts val="0"/>
-                        </a:spcAft>
-                        <a:buClr>
-                          <a:schemeClr val="dk1"/>
-                        </a:buClr>
-                        <a:buSzPct val="25000"/>
-                        <a:buFont typeface="Gill Sans MT"/>
-                        <a:buNone/>
-                      </a:pPr>
-                      <a:r>
-                        <a:rPr lang="en-US" sz="1800">
-                          <a:solidFill>
-                            <a:schemeClr val="dk1"/>
-                          </a:solidFill>
-                        </a:rPr>
-                        <a:t>ANOVA</a:t>
-                      </a:r>
-                    </a:p>
-                    <a:p>
-                      <a:pPr marL="0" marR="0" lvl="0" indent="0" algn="l" rtl="0">
-                        <a:spcBef>
-                          <a:spcPts val="0"/>
-                        </a:spcBef>
-                        <a:buSzPct val="25000"/>
-                        <a:buNone/>
-                      </a:pPr>
-                      <a:endParaRPr sz="1800">
-                        <a:solidFill>
-                          <a:schemeClr val="dk1"/>
-                        </a:solidFill>
-                      </a:endParaRPr>
-                    </a:p>
-                  </a:txBody>
-                  <a:tcPr marL="91450" marR="91450" marT="45725" marB="45725"/>
-                </a:tc>
-                <a:extLst>
-                  <a:ext uri="{0D108BD9-81ED-4DB2-BD59-A6C34878D82A}">
-                    <a16:rowId xmlns:a16="http://schemas.microsoft.com/office/drawing/2014/main" val="10005"/>
-                  </a:ext>
-                </a:extLst>
-              </a:tr>
-              <a:tr h="370800">
-                <a:tc>
-                  <a:txBody>
-                    <a:bodyPr/>
-                    <a:lstStyle/>
-                    <a:p>
-                      <a:pPr marL="0" marR="0" lvl="0" indent="0" algn="l" rtl="0">
-                        <a:spcBef>
-                          <a:spcPts val="0"/>
-                        </a:spcBef>
-                        <a:buSzPct val="25000"/>
-                        <a:buNone/>
-                      </a:pPr>
-                      <a:r>
-                        <a:rPr lang="en-US" sz="1800">
-                          <a:solidFill>
-                            <a:schemeClr val="dk1"/>
-                          </a:solidFill>
-                        </a:rPr>
-                        <a:t>Discrete; two variables; counts</a:t>
-                      </a:r>
-                    </a:p>
-                  </a:txBody>
-                  <a:tcPr marL="91450" marR="91450" marT="45725" marB="45725"/>
-                </a:tc>
-                <a:tc>
-                  <a:txBody>
-                    <a:bodyPr/>
-                    <a:lstStyle/>
-                    <a:p>
-                      <a:pPr marL="0" marR="0" lvl="0" indent="0" algn="l" rtl="0">
-                        <a:spcBef>
-                          <a:spcPts val="0"/>
-                        </a:spcBef>
-                        <a:buSzPct val="25000"/>
-                        <a:buNone/>
-                      </a:pPr>
-                      <a:r>
-                        <a:rPr lang="en-US" sz="1800">
-                          <a:solidFill>
-                            <a:schemeClr val="dk1"/>
-                          </a:solidFill>
-                        </a:rPr>
-                        <a:t>Chi-square, goodness of fit</a:t>
-                      </a:r>
-                    </a:p>
-                  </a:txBody>
-                  <a:tcPr marL="91450" marR="91450" marT="45725" marB="45725"/>
-                </a:tc>
-                <a:extLst>
-                  <a:ext uri="{0D108BD9-81ED-4DB2-BD59-A6C34878D82A}">
-                    <a16:rowId xmlns:a16="http://schemas.microsoft.com/office/drawing/2014/main" val="10006"/>
-                  </a:ext>
-                </a:extLst>
-              </a:tr>
-              <a:tr h="370800">
-                <a:tc>
-                  <a:txBody>
-                    <a:bodyPr/>
-                    <a:lstStyle/>
-                    <a:p>
-                      <a:pPr marL="0" marR="0" lvl="0" indent="0" algn="l" rtl="0">
-                        <a:spcBef>
-                          <a:spcPts val="0"/>
-                        </a:spcBef>
-                        <a:buSzPct val="25000"/>
-                        <a:buNone/>
-                      </a:pPr>
-                      <a:r>
-                        <a:rPr lang="en-US" sz="1800">
-                          <a:solidFill>
-                            <a:schemeClr val="dk1"/>
-                          </a:solidFill>
-                        </a:rPr>
-                        <a:t>Continuous; two or more variables</a:t>
-                      </a:r>
-                    </a:p>
-                  </a:txBody>
-                  <a:tcPr marL="91450" marR="91450" marT="45725" marB="45725"/>
-                </a:tc>
-                <a:tc>
-                  <a:txBody>
-                    <a:bodyPr/>
-                    <a:lstStyle/>
-                    <a:p>
-                      <a:pPr marL="0" marR="0" lvl="0" indent="0" algn="l" rtl="0">
-                        <a:spcBef>
-                          <a:spcPts val="0"/>
-                        </a:spcBef>
-                        <a:buSzPct val="25000"/>
-                        <a:buNone/>
-                      </a:pPr>
-                      <a:r>
-                        <a:rPr lang="en-US" sz="1800">
-                          <a:solidFill>
-                            <a:schemeClr val="dk1"/>
-                          </a:solidFill>
-                        </a:rPr>
-                        <a:t>Correlation</a:t>
-                      </a:r>
-                    </a:p>
-                  </a:txBody>
-                  <a:tcPr marL="91450" marR="91450" marT="45725" marB="45725"/>
-                </a:tc>
-                <a:extLst>
-                  <a:ext uri="{0D108BD9-81ED-4DB2-BD59-A6C34878D82A}">
-                    <a16:rowId xmlns:a16="http://schemas.microsoft.com/office/drawing/2014/main" val="10007"/>
-                  </a:ext>
-                </a:extLst>
-              </a:tr>
-              <a:tr h="370800">
-                <a:tc>
-                  <a:txBody>
-                    <a:bodyPr/>
-                    <a:lstStyle/>
-                    <a:p>
-                      <a:pPr marL="0" marR="0" lvl="0" indent="0" algn="l" rtl="0">
-                        <a:spcBef>
-                          <a:spcPts val="0"/>
-                        </a:spcBef>
-                        <a:buSzPct val="25000"/>
-                        <a:buNone/>
-                      </a:pPr>
-                      <a:r>
-                        <a:rPr lang="en-US" sz="1800">
-                          <a:solidFill>
-                            <a:srgbClr val="A5A5A5"/>
-                          </a:solidFill>
-                        </a:rPr>
-                        <a:t>Continuous; two or more variables</a:t>
-                      </a:r>
-                    </a:p>
-                  </a:txBody>
-                  <a:tcPr marL="91450" marR="91450" marT="45725" marB="45725"/>
-                </a:tc>
-                <a:tc>
-                  <a:txBody>
-                    <a:bodyPr/>
-                    <a:lstStyle/>
-                    <a:p>
-                      <a:pPr marL="0" marR="0" lvl="0" indent="0" algn="l" rtl="0">
-                        <a:spcBef>
-                          <a:spcPts val="0"/>
-                        </a:spcBef>
-                        <a:buSzPct val="25000"/>
-                        <a:buNone/>
-                      </a:pPr>
-                      <a:r>
-                        <a:rPr lang="en-US" sz="1800">
-                          <a:solidFill>
-                            <a:srgbClr val="A5A5A5"/>
-                          </a:solidFill>
-                        </a:rPr>
-                        <a:t>Regression</a:t>
-                      </a:r>
-                    </a:p>
-                  </a:txBody>
-                  <a:tcPr marL="91450" marR="91450" marT="45725" marB="45725"/>
-                </a:tc>
-                <a:extLst>
-                  <a:ext uri="{0D108BD9-81ED-4DB2-BD59-A6C34878D82A}">
-                    <a16:rowId xmlns:a16="http://schemas.microsoft.com/office/drawing/2014/main" val="10008"/>
-                  </a:ext>
-                </a:extLst>
-              </a:tr>
-            </a:tbl>
-          </a:graphicData>
-        </a:graphic>
-      </p:graphicFrame>
-      <p:sp>
-        <p:nvSpPr>
-          <p:cNvPr id="112" name="Shape 112"/>
-          <p:cNvSpPr/>
-          <p:nvPr/>
-        </p:nvSpPr>
-        <p:spPr>
-          <a:xfrm>
-            <a:off x="470610" y="5029200"/>
-            <a:ext cx="8229600" cy="381000"/>
-          </a:xfrm>
-          <a:prstGeom prst="rect">
-            <a:avLst/>
-          </a:prstGeom>
-          <a:noFill/>
-          <a:ln w="38100" cap="flat" cmpd="sng">
-            <a:solidFill>
-              <a:srgbClr val="FF0000"/>
-            </a:solidFill>
-            <a:prstDash val="solid"/>
-            <a:round/>
-            <a:headEnd type="none" w="med" len="med"/>
-            <a:tailEnd type="none" w="med" len="med"/>
-          </a:ln>
-        </p:spPr>
-        <p:txBody>
-          <a:bodyPr lIns="91425" tIns="45700" rIns="91425" bIns="45700" anchor="ctr" anchorCtr="0">
-            <a:noAutofit/>
-          </a:bodyPr>
-          <a:lstStyle/>
-          <a:p>
-            <a:pPr marL="0" marR="0" lvl="0" indent="0" algn="ctr" rtl="0">
-              <a:spcBef>
-                <a:spcPts val="0"/>
-              </a:spcBef>
-              <a:buNone/>
-            </a:pPr>
-            <a:endParaRPr sz="1800">
-              <a:solidFill>
-                <a:schemeClr val="lt1"/>
-              </a:solidFill>
-              <a:latin typeface="Gill Sans MT"/>
-              <a:ea typeface="Gill Sans MT"/>
-              <a:cs typeface="Gill Sans MT"/>
-              <a:sym typeface="Gill Sans MT"/>
-            </a:endParaRPr>
-          </a:p>
-        </p:txBody>
-      </p:sp>
-      <p:cxnSp>
-        <p:nvCxnSpPr>
-          <p:cNvPr id="113" name="Shape 113"/>
-          <p:cNvCxnSpPr/>
-          <p:nvPr/>
-        </p:nvCxnSpPr>
-        <p:spPr>
-          <a:xfrm rot="10800000">
-            <a:off x="5824181" y="5410200"/>
-            <a:ext cx="805218" cy="704163"/>
-          </a:xfrm>
-          <a:prstGeom prst="straightConnector1">
-            <a:avLst/>
-          </a:prstGeom>
-          <a:noFill/>
-          <a:ln w="38100" cap="flat" cmpd="sng">
-            <a:solidFill>
-              <a:srgbClr val="FF0000"/>
-            </a:solidFill>
-            <a:prstDash val="solid"/>
-            <a:round/>
-            <a:headEnd type="none" w="med" len="med"/>
-            <a:tailEnd type="stealth" w="lg" len="lg"/>
-          </a:ln>
-        </p:spPr>
-      </p:cxnSp>
-      <p:sp>
-        <p:nvSpPr>
-          <p:cNvPr id="114" name="Shape 114"/>
-          <p:cNvSpPr txBox="1"/>
-          <p:nvPr/>
-        </p:nvSpPr>
-        <p:spPr>
-          <a:xfrm>
-            <a:off x="5801435" y="5943598"/>
-            <a:ext cx="2898775" cy="646331"/>
-          </a:xfrm>
-          <a:prstGeom prst="rect">
-            <a:avLst/>
-          </a:prstGeom>
-          <a:noFill/>
-          <a:ln>
-            <a:noFill/>
-          </a:ln>
-        </p:spPr>
-        <p:txBody>
-          <a:bodyPr lIns="91425" tIns="45700" rIns="91425" bIns="45700" anchor="t" anchorCtr="0">
-            <a:noAutofit/>
-          </a:bodyPr>
-          <a:lstStyle/>
-          <a:p>
-            <a:pPr marL="0" marR="0" lvl="0" indent="0" algn="l" rtl="0">
-              <a:spcBef>
-                <a:spcPts val="0"/>
-              </a:spcBef>
-              <a:buSzPct val="25000"/>
-              <a:buNone/>
-            </a:pPr>
-            <a:r>
-              <a:rPr lang="en-US" sz="3600" dirty="0">
-                <a:solidFill>
-                  <a:srgbClr val="FF0000"/>
-                </a:solidFill>
-                <a:latin typeface="Gill Sans MT"/>
-                <a:ea typeface="Gill Sans MT"/>
-                <a:cs typeface="Gill Sans MT"/>
-                <a:sym typeface="Gill Sans MT"/>
-              </a:rPr>
-              <a:t>You are here</a:t>
-            </a:r>
-          </a:p>
-        </p:txBody>
-      </p:sp>
-    </p:spTree>
-    <p:extLst>
-      <p:ext uri="{BB962C8B-B14F-4D97-AF65-F5344CB8AC3E}">
-        <p14:creationId xmlns:p14="http://schemas.microsoft.com/office/powerpoint/2010/main" val="1464683829"/>
-      </p:ext>
-    </p:extLst>
   </p:cSld>
   <p:clrMapOvr>
     <a:masterClrMapping/>
